--- a/Slides/Chuong1_Gioithieu.pptx
+++ b/Slides/Chuong1_Gioithieu.pptx
@@ -281,7 +281,7 @@
           <a:p>
             <a:fld id="{A2BF3456-A29E-41FE-BFB7-B24F24BEE47B}" type="datetimeFigureOut">
               <a:rPr lang="cs-CZ" smtClean="0"/>
-              <a:t>05.06.2023</a:t>
+              <a:t>03.07.2023</a:t>
             </a:fld>
             <a:endParaRPr lang="cs-CZ"/>
           </a:p>
@@ -1940,7 +1940,7 @@
           <a:p>
             <a:fld id="{1D8BD707-D9CF-40AE-B4C6-C98DA3205C09}" type="datetimeFigureOut">
               <a:rPr lang="en-US" smtClean="0"/>
-              <a:t>05/06/2023</a:t>
+              <a:t>03/07/2023</a:t>
             </a:fld>
             <a:endParaRPr lang="en-US" dirty="0"/>
           </a:p>
@@ -2110,7 +2110,7 @@
           <a:p>
             <a:fld id="{1D8BD707-D9CF-40AE-B4C6-C98DA3205C09}" type="datetimeFigureOut">
               <a:rPr lang="en-US" smtClean="0"/>
-              <a:t>05/06/2023</a:t>
+              <a:t>03/07/2023</a:t>
             </a:fld>
             <a:endParaRPr lang="en-US" dirty="0"/>
           </a:p>
@@ -2290,7 +2290,7 @@
           <a:p>
             <a:fld id="{1D8BD707-D9CF-40AE-B4C6-C98DA3205C09}" type="datetimeFigureOut">
               <a:rPr lang="en-US" smtClean="0"/>
-              <a:t>05/06/2023</a:t>
+              <a:t>03/07/2023</a:t>
             </a:fld>
             <a:endParaRPr lang="en-US" dirty="0"/>
           </a:p>
@@ -2460,7 +2460,7 @@
           <a:p>
             <a:fld id="{1D8BD707-D9CF-40AE-B4C6-C98DA3205C09}" type="datetimeFigureOut">
               <a:rPr lang="en-US" smtClean="0"/>
-              <a:t>05/06/2023</a:t>
+              <a:t>03/07/2023</a:t>
             </a:fld>
             <a:endParaRPr lang="en-US" dirty="0"/>
           </a:p>
@@ -2706,7 +2706,7 @@
           <a:p>
             <a:fld id="{1D8BD707-D9CF-40AE-B4C6-C98DA3205C09}" type="datetimeFigureOut">
               <a:rPr lang="en-US" smtClean="0"/>
-              <a:t>05/06/2023</a:t>
+              <a:t>03/07/2023</a:t>
             </a:fld>
             <a:endParaRPr lang="en-US" dirty="0"/>
           </a:p>
@@ -2938,7 +2938,7 @@
           <a:p>
             <a:fld id="{1D8BD707-D9CF-40AE-B4C6-C98DA3205C09}" type="datetimeFigureOut">
               <a:rPr lang="en-US" smtClean="0"/>
-              <a:t>05/06/2023</a:t>
+              <a:t>03/07/2023</a:t>
             </a:fld>
             <a:endParaRPr lang="en-US" dirty="0"/>
           </a:p>
@@ -3305,7 +3305,7 @@
           <a:p>
             <a:fld id="{1D8BD707-D9CF-40AE-B4C6-C98DA3205C09}" type="datetimeFigureOut">
               <a:rPr lang="en-US" smtClean="0"/>
-              <a:t>05/06/2023</a:t>
+              <a:t>03/07/2023</a:t>
             </a:fld>
             <a:endParaRPr lang="en-US" dirty="0"/>
           </a:p>
@@ -3423,7 +3423,7 @@
           <a:p>
             <a:fld id="{1D8BD707-D9CF-40AE-B4C6-C98DA3205C09}" type="datetimeFigureOut">
               <a:rPr lang="en-US" smtClean="0"/>
-              <a:t>05/06/2023</a:t>
+              <a:t>03/07/2023</a:t>
             </a:fld>
             <a:endParaRPr lang="en-US" dirty="0"/>
           </a:p>
@@ -3518,7 +3518,7 @@
           <a:p>
             <a:fld id="{1D8BD707-D9CF-40AE-B4C6-C98DA3205C09}" type="datetimeFigureOut">
               <a:rPr lang="en-US" smtClean="0"/>
-              <a:t>05/06/2023</a:t>
+              <a:t>03/07/2023</a:t>
             </a:fld>
             <a:endParaRPr lang="en-US" dirty="0"/>
           </a:p>
@@ -3795,7 +3795,7 @@
           <a:p>
             <a:fld id="{1D8BD707-D9CF-40AE-B4C6-C98DA3205C09}" type="datetimeFigureOut">
               <a:rPr lang="en-US" smtClean="0"/>
-              <a:t>05/06/2023</a:t>
+              <a:t>03/07/2023</a:t>
             </a:fld>
             <a:endParaRPr lang="en-US" dirty="0"/>
           </a:p>
@@ -4052,7 +4052,7 @@
           <a:p>
             <a:fld id="{1D8BD707-D9CF-40AE-B4C6-C98DA3205C09}" type="datetimeFigureOut">
               <a:rPr lang="en-US" smtClean="0"/>
-              <a:t>05/06/2023</a:t>
+              <a:t>03/07/2023</a:t>
             </a:fld>
             <a:endParaRPr lang="en-US" dirty="0"/>
           </a:p>
@@ -4250,7 +4250,7 @@
           <a:p>
             <a:fld id="{1D8BD707-D9CF-40AE-B4C6-C98DA3205C09}" type="datetimeFigureOut">
               <a:rPr lang="en-US" smtClean="0"/>
-              <a:t>05/06/2023</a:t>
+              <a:t>03/07/2023</a:t>
             </a:fld>
             <a:endParaRPr lang="en-US" dirty="0"/>
           </a:p>
@@ -4829,7 +4829,7 @@
         <p:spPr>
           <a:xfrm>
             <a:off x="818356" y="317499"/>
-            <a:ext cx="17145000" cy="505267"/>
+            <a:ext cx="17145000" cy="751488"/>
           </a:xfrm>
           <a:prstGeom prst="rect">
             <a:avLst/>
@@ -4847,7 +4847,7 @@
               </a:spcBef>
             </a:pPr>
             <a:r>
-              <a:rPr lang="en-US" sz="3200" spc="-10">
+              <a:rPr lang="en-US" sz="4800" spc="-10">
                 <a:solidFill>
                   <a:srgbClr val="FFFFFF"/>
                 </a:solidFill>
@@ -4855,7 +4855,7 @@
               </a:rPr>
               <a:t>Chương 1. GIỚI THIỆU</a:t>
             </a:r>
-            <a:endParaRPr sz="3200" dirty="0">
+            <a:endParaRPr sz="4800" dirty="0">
               <a:cs typeface="Source Sans Pro Light"/>
             </a:endParaRPr>
           </a:p>
@@ -5187,7 +5187,7 @@
         <p:spPr>
           <a:xfrm>
             <a:off x="818356" y="317499"/>
-            <a:ext cx="17145000" cy="705321"/>
+            <a:ext cx="17145000" cy="751488"/>
           </a:xfrm>
           <a:prstGeom prst="rect">
             <a:avLst/>
@@ -5205,15 +5205,15 @@
               </a:spcBef>
             </a:pPr>
             <a:r>
-              <a:rPr lang="en-US" sz="4500" spc="-10">
+              <a:rPr lang="en-US" sz="4800" spc="-10">
                 <a:solidFill>
                   <a:srgbClr val="FFFFFF"/>
                 </a:solidFill>
                 <a:cs typeface="Source Sans Pro Light"/>
               </a:rPr>
-              <a:t>Chương 1. GIỚI THIỆU – Lược sử (tt)</a:t>
-            </a:r>
-            <a:endParaRPr sz="4500" dirty="0">
+              <a:t>Chương 1. GIỚI THIỆU</a:t>
+            </a:r>
+            <a:endParaRPr sz="4800" dirty="0">
               <a:cs typeface="Source Sans Pro Light"/>
             </a:endParaRPr>
           </a:p>
@@ -5227,7 +5227,7 @@
         </p:nvSpPr>
         <p:spPr>
           <a:xfrm>
-            <a:off x="1046956" y="1689100"/>
+            <a:off x="1046956" y="2527300"/>
             <a:ext cx="16916400" cy="6943632"/>
           </a:xfrm>
           <a:prstGeom prst="rect">
@@ -5406,6 +5406,188 @@
               <a:t>g.</a:t>
             </a:r>
             <a:endParaRPr lang="vi-VN" sz="4000">
+              <a:cs typeface="Source Sans Pro Light"/>
+            </a:endParaRPr>
+          </a:p>
+        </p:txBody>
+      </p:sp>
+      <p:sp>
+        <p:nvSpPr>
+          <p:cNvPr id="3" name="Freeform: Shape 2">
+            <a:extLst>
+              <a:ext uri="{FF2B5EF4-FFF2-40B4-BE49-F238E27FC236}">
+                <a16:creationId xmlns:a16="http://schemas.microsoft.com/office/drawing/2014/main" id="{C56A3DCB-4996-3F4F-94D2-05219E6ABBF0}"/>
+              </a:ext>
+            </a:extLst>
+          </p:cNvPr>
+          <p:cNvSpPr/>
+          <p:nvPr/>
+        </p:nvSpPr>
+        <p:spPr>
+          <a:xfrm>
+            <a:off x="-1" y="1124818"/>
+            <a:ext cx="18572957" cy="1000863"/>
+          </a:xfrm>
+          <a:custGeom>
+            <a:avLst/>
+            <a:gdLst>
+              <a:gd name="connsiteX0" fmla="*/ 0 w 19044896"/>
+              <a:gd name="connsiteY0" fmla="*/ 0 h 814838"/>
+              <a:gd name="connsiteX1" fmla="*/ 17382432 w 19044896"/>
+              <a:gd name="connsiteY1" fmla="*/ 0 h 814838"/>
+              <a:gd name="connsiteX2" fmla="*/ 18288000 w 19044896"/>
+              <a:gd name="connsiteY2" fmla="*/ 0 h 814838"/>
+              <a:gd name="connsiteX3" fmla="*/ 18726162 w 19044896"/>
+              <a:gd name="connsiteY3" fmla="*/ 0 h 814838"/>
+              <a:gd name="connsiteX4" fmla="*/ 19044896 w 19044896"/>
+              <a:gd name="connsiteY4" fmla="*/ 407419 h 814838"/>
+              <a:gd name="connsiteX5" fmla="*/ 18726162 w 19044896"/>
+              <a:gd name="connsiteY5" fmla="*/ 814838 h 814838"/>
+              <a:gd name="connsiteX6" fmla="*/ 18288000 w 19044896"/>
+              <a:gd name="connsiteY6" fmla="*/ 814838 h 814838"/>
+              <a:gd name="connsiteX7" fmla="*/ 17382432 w 19044896"/>
+              <a:gd name="connsiteY7" fmla="*/ 814838 h 814838"/>
+              <a:gd name="connsiteX8" fmla="*/ 0 w 19044896"/>
+              <a:gd name="connsiteY8" fmla="*/ 814838 h 814838"/>
+            </a:gdLst>
+            <a:ahLst/>
+            <a:cxnLst>
+              <a:cxn ang="0">
+                <a:pos x="connsiteX0" y="connsiteY0"/>
+              </a:cxn>
+              <a:cxn ang="0">
+                <a:pos x="connsiteX1" y="connsiteY1"/>
+              </a:cxn>
+              <a:cxn ang="0">
+                <a:pos x="connsiteX2" y="connsiteY2"/>
+              </a:cxn>
+              <a:cxn ang="0">
+                <a:pos x="connsiteX3" y="connsiteY3"/>
+              </a:cxn>
+              <a:cxn ang="0">
+                <a:pos x="connsiteX4" y="connsiteY4"/>
+              </a:cxn>
+              <a:cxn ang="0">
+                <a:pos x="connsiteX5" y="connsiteY5"/>
+              </a:cxn>
+              <a:cxn ang="0">
+                <a:pos x="connsiteX6" y="connsiteY6"/>
+              </a:cxn>
+              <a:cxn ang="0">
+                <a:pos x="connsiteX7" y="connsiteY7"/>
+              </a:cxn>
+              <a:cxn ang="0">
+                <a:pos x="connsiteX8" y="connsiteY8"/>
+              </a:cxn>
+            </a:cxnLst>
+            <a:rect l="l" t="t" r="r" b="b"/>
+            <a:pathLst>
+              <a:path w="19044896" h="814838">
+                <a:moveTo>
+                  <a:pt x="0" y="0"/>
+                </a:moveTo>
+                <a:lnTo>
+                  <a:pt x="17382432" y="0"/>
+                </a:lnTo>
+                <a:lnTo>
+                  <a:pt x="18288000" y="0"/>
+                </a:lnTo>
+                <a:lnTo>
+                  <a:pt x="18726162" y="0"/>
+                </a:lnTo>
+                <a:cubicBezTo>
+                  <a:pt x="18902178" y="0"/>
+                  <a:pt x="19044896" y="182396"/>
+                  <a:pt x="19044896" y="407419"/>
+                </a:cubicBezTo>
+                <a:cubicBezTo>
+                  <a:pt x="19044896" y="632443"/>
+                  <a:pt x="18902178" y="814838"/>
+                  <a:pt x="18726162" y="814838"/>
+                </a:cubicBezTo>
+                <a:lnTo>
+                  <a:pt x="18288000" y="814838"/>
+                </a:lnTo>
+                <a:lnTo>
+                  <a:pt x="17382432" y="814838"/>
+                </a:lnTo>
+                <a:lnTo>
+                  <a:pt x="0" y="814838"/>
+                </a:lnTo>
+                <a:close/>
+              </a:path>
+            </a:pathLst>
+          </a:custGeom>
+          <a:ln>
+            <a:noFill/>
+          </a:ln>
+        </p:spPr>
+        <p:style>
+          <a:lnRef idx="3">
+            <a:schemeClr val="lt1"/>
+          </a:lnRef>
+          <a:fillRef idx="1">
+            <a:schemeClr val="accent2"/>
+          </a:fillRef>
+          <a:effectRef idx="1">
+            <a:schemeClr val="accent2"/>
+          </a:effectRef>
+          <a:fontRef idx="minor">
+            <a:schemeClr val="lt1"/>
+          </a:fontRef>
+        </p:style>
+        <p:txBody>
+          <a:bodyPr wrap="square" rtlCol="0" anchor="ctr">
+            <a:noAutofit/>
+          </a:bodyPr>
+          <a:lstStyle/>
+          <a:p>
+            <a:pPr algn="ctr"/>
+            <a:endParaRPr lang="en-US"/>
+          </a:p>
+        </p:txBody>
+      </p:sp>
+      <p:sp>
+        <p:nvSpPr>
+          <p:cNvPr id="5" name="object 20">
+            <a:extLst>
+              <a:ext uri="{FF2B5EF4-FFF2-40B4-BE49-F238E27FC236}">
+                <a16:creationId xmlns:a16="http://schemas.microsoft.com/office/drawing/2014/main" id="{C1E3C335-1CE9-B299-7392-1C222A371672}"/>
+              </a:ext>
+            </a:extLst>
+          </p:cNvPr>
+          <p:cNvSpPr txBox="1"/>
+          <p:nvPr/>
+        </p:nvSpPr>
+        <p:spPr>
+          <a:xfrm>
+            <a:off x="757564" y="1179062"/>
+            <a:ext cx="17205792" cy="814838"/>
+          </a:xfrm>
+          <a:prstGeom prst="rect">
+            <a:avLst/>
+          </a:prstGeom>
+        </p:spPr>
+        <p:txBody>
+          <a:bodyPr vert="horz" wrap="square" lIns="0" tIns="12700" rIns="0" bIns="0" rtlCol="0">
+            <a:spAutoFit/>
+          </a:bodyPr>
+          <a:lstStyle/>
+          <a:p>
+            <a:pPr marL="583565" marR="5080" indent="-571500" algn="just">
+              <a:lnSpc>
+                <a:spcPct val="130000"/>
+              </a:lnSpc>
+              <a:buFont typeface="Wingdings" panose="05000000000000000000" pitchFamily="2" charset="2"/>
+              <a:buChar char="§"/>
+            </a:pPr>
+            <a:r>
+              <a:rPr lang="en-US" sz="4400" spc="-5">
+                <a:cs typeface="Source Sans Pro Light"/>
+              </a:rPr>
+              <a:t>Lịch sử phát triển</a:t>
+            </a:r>
+            <a:endParaRPr lang="vi-VN" sz="4400" spc="-5">
               <a:cs typeface="Source Sans Pro Light"/>
             </a:endParaRPr>
           </a:p>
@@ -5500,7 +5682,7 @@
         <p:spPr>
           <a:xfrm>
             <a:off x="818356" y="317499"/>
-            <a:ext cx="17145000" cy="705321"/>
+            <a:ext cx="17145000" cy="751488"/>
           </a:xfrm>
           <a:prstGeom prst="rect">
             <a:avLst/>
@@ -5518,15 +5700,15 @@
               </a:spcBef>
             </a:pPr>
             <a:r>
-              <a:rPr lang="en-US" sz="4500" spc="-10">
+              <a:rPr lang="en-US" sz="4800" spc="-10">
                 <a:solidFill>
                   <a:srgbClr val="FFFFFF"/>
                 </a:solidFill>
                 <a:cs typeface="Source Sans Pro Light"/>
               </a:rPr>
-              <a:t>Chương 1. GIỚI THIỆU – Lược sử (tt)</a:t>
-            </a:r>
-            <a:endParaRPr sz="4500" dirty="0">
+              <a:t>Chương 1. GIỚI THIỆU</a:t>
+            </a:r>
+            <a:endParaRPr sz="4800" dirty="0">
               <a:cs typeface="Source Sans Pro Light"/>
             </a:endParaRPr>
           </a:p>
@@ -5540,7 +5722,7 @@
         </p:nvSpPr>
         <p:spPr>
           <a:xfrm>
-            <a:off x="1046956" y="1689100"/>
+            <a:off x="1046956" y="2222500"/>
             <a:ext cx="16916400" cy="7143687"/>
           </a:xfrm>
           <a:prstGeom prst="rect">
@@ -5684,6 +5866,188 @@
               <a:t>Những năm gần đây AI có bước đột phá mạnh mẽ: Robot, Hội họa, chat box…</a:t>
             </a:r>
             <a:endParaRPr lang="vi-VN" sz="4000">
+              <a:cs typeface="Source Sans Pro Light"/>
+            </a:endParaRPr>
+          </a:p>
+        </p:txBody>
+      </p:sp>
+      <p:sp>
+        <p:nvSpPr>
+          <p:cNvPr id="3" name="Freeform: Shape 2">
+            <a:extLst>
+              <a:ext uri="{FF2B5EF4-FFF2-40B4-BE49-F238E27FC236}">
+                <a16:creationId xmlns:a16="http://schemas.microsoft.com/office/drawing/2014/main" id="{29B5A786-4CDF-F5E8-DC48-A6C73EC8C0BE}"/>
+              </a:ext>
+            </a:extLst>
+          </p:cNvPr>
+          <p:cNvSpPr/>
+          <p:nvPr/>
+        </p:nvSpPr>
+        <p:spPr>
+          <a:xfrm>
+            <a:off x="-1" y="1124818"/>
+            <a:ext cx="18572957" cy="1000863"/>
+          </a:xfrm>
+          <a:custGeom>
+            <a:avLst/>
+            <a:gdLst>
+              <a:gd name="connsiteX0" fmla="*/ 0 w 19044896"/>
+              <a:gd name="connsiteY0" fmla="*/ 0 h 814838"/>
+              <a:gd name="connsiteX1" fmla="*/ 17382432 w 19044896"/>
+              <a:gd name="connsiteY1" fmla="*/ 0 h 814838"/>
+              <a:gd name="connsiteX2" fmla="*/ 18288000 w 19044896"/>
+              <a:gd name="connsiteY2" fmla="*/ 0 h 814838"/>
+              <a:gd name="connsiteX3" fmla="*/ 18726162 w 19044896"/>
+              <a:gd name="connsiteY3" fmla="*/ 0 h 814838"/>
+              <a:gd name="connsiteX4" fmla="*/ 19044896 w 19044896"/>
+              <a:gd name="connsiteY4" fmla="*/ 407419 h 814838"/>
+              <a:gd name="connsiteX5" fmla="*/ 18726162 w 19044896"/>
+              <a:gd name="connsiteY5" fmla="*/ 814838 h 814838"/>
+              <a:gd name="connsiteX6" fmla="*/ 18288000 w 19044896"/>
+              <a:gd name="connsiteY6" fmla="*/ 814838 h 814838"/>
+              <a:gd name="connsiteX7" fmla="*/ 17382432 w 19044896"/>
+              <a:gd name="connsiteY7" fmla="*/ 814838 h 814838"/>
+              <a:gd name="connsiteX8" fmla="*/ 0 w 19044896"/>
+              <a:gd name="connsiteY8" fmla="*/ 814838 h 814838"/>
+            </a:gdLst>
+            <a:ahLst/>
+            <a:cxnLst>
+              <a:cxn ang="0">
+                <a:pos x="connsiteX0" y="connsiteY0"/>
+              </a:cxn>
+              <a:cxn ang="0">
+                <a:pos x="connsiteX1" y="connsiteY1"/>
+              </a:cxn>
+              <a:cxn ang="0">
+                <a:pos x="connsiteX2" y="connsiteY2"/>
+              </a:cxn>
+              <a:cxn ang="0">
+                <a:pos x="connsiteX3" y="connsiteY3"/>
+              </a:cxn>
+              <a:cxn ang="0">
+                <a:pos x="connsiteX4" y="connsiteY4"/>
+              </a:cxn>
+              <a:cxn ang="0">
+                <a:pos x="connsiteX5" y="connsiteY5"/>
+              </a:cxn>
+              <a:cxn ang="0">
+                <a:pos x="connsiteX6" y="connsiteY6"/>
+              </a:cxn>
+              <a:cxn ang="0">
+                <a:pos x="connsiteX7" y="connsiteY7"/>
+              </a:cxn>
+              <a:cxn ang="0">
+                <a:pos x="connsiteX8" y="connsiteY8"/>
+              </a:cxn>
+            </a:cxnLst>
+            <a:rect l="l" t="t" r="r" b="b"/>
+            <a:pathLst>
+              <a:path w="19044896" h="814838">
+                <a:moveTo>
+                  <a:pt x="0" y="0"/>
+                </a:moveTo>
+                <a:lnTo>
+                  <a:pt x="17382432" y="0"/>
+                </a:lnTo>
+                <a:lnTo>
+                  <a:pt x="18288000" y="0"/>
+                </a:lnTo>
+                <a:lnTo>
+                  <a:pt x="18726162" y="0"/>
+                </a:lnTo>
+                <a:cubicBezTo>
+                  <a:pt x="18902178" y="0"/>
+                  <a:pt x="19044896" y="182396"/>
+                  <a:pt x="19044896" y="407419"/>
+                </a:cubicBezTo>
+                <a:cubicBezTo>
+                  <a:pt x="19044896" y="632443"/>
+                  <a:pt x="18902178" y="814838"/>
+                  <a:pt x="18726162" y="814838"/>
+                </a:cubicBezTo>
+                <a:lnTo>
+                  <a:pt x="18288000" y="814838"/>
+                </a:lnTo>
+                <a:lnTo>
+                  <a:pt x="17382432" y="814838"/>
+                </a:lnTo>
+                <a:lnTo>
+                  <a:pt x="0" y="814838"/>
+                </a:lnTo>
+                <a:close/>
+              </a:path>
+            </a:pathLst>
+          </a:custGeom>
+          <a:ln>
+            <a:noFill/>
+          </a:ln>
+        </p:spPr>
+        <p:style>
+          <a:lnRef idx="3">
+            <a:schemeClr val="lt1"/>
+          </a:lnRef>
+          <a:fillRef idx="1">
+            <a:schemeClr val="accent2"/>
+          </a:fillRef>
+          <a:effectRef idx="1">
+            <a:schemeClr val="accent2"/>
+          </a:effectRef>
+          <a:fontRef idx="minor">
+            <a:schemeClr val="lt1"/>
+          </a:fontRef>
+        </p:style>
+        <p:txBody>
+          <a:bodyPr wrap="square" rtlCol="0" anchor="ctr">
+            <a:noAutofit/>
+          </a:bodyPr>
+          <a:lstStyle/>
+          <a:p>
+            <a:pPr algn="ctr"/>
+            <a:endParaRPr lang="en-US"/>
+          </a:p>
+        </p:txBody>
+      </p:sp>
+      <p:sp>
+        <p:nvSpPr>
+          <p:cNvPr id="5" name="object 20">
+            <a:extLst>
+              <a:ext uri="{FF2B5EF4-FFF2-40B4-BE49-F238E27FC236}">
+                <a16:creationId xmlns:a16="http://schemas.microsoft.com/office/drawing/2014/main" id="{3806145E-2CE4-5222-D885-748650D1EB81}"/>
+              </a:ext>
+            </a:extLst>
+          </p:cNvPr>
+          <p:cNvSpPr txBox="1"/>
+          <p:nvPr/>
+        </p:nvSpPr>
+        <p:spPr>
+          <a:xfrm>
+            <a:off x="757564" y="1179062"/>
+            <a:ext cx="17205792" cy="814838"/>
+          </a:xfrm>
+          <a:prstGeom prst="rect">
+            <a:avLst/>
+          </a:prstGeom>
+        </p:spPr>
+        <p:txBody>
+          <a:bodyPr vert="horz" wrap="square" lIns="0" tIns="12700" rIns="0" bIns="0" rtlCol="0">
+            <a:spAutoFit/>
+          </a:bodyPr>
+          <a:lstStyle/>
+          <a:p>
+            <a:pPr marL="583565" marR="5080" indent="-571500" algn="just">
+              <a:lnSpc>
+                <a:spcPct val="130000"/>
+              </a:lnSpc>
+              <a:buFont typeface="Wingdings" panose="05000000000000000000" pitchFamily="2" charset="2"/>
+              <a:buChar char="§"/>
+            </a:pPr>
+            <a:r>
+              <a:rPr lang="en-US" sz="4400" spc="-5">
+                <a:cs typeface="Source Sans Pro Light"/>
+              </a:rPr>
+              <a:t>Lịch sử phát triển</a:t>
+            </a:r>
+            <a:endParaRPr lang="vi-VN" sz="4400" spc="-5">
               <a:cs typeface="Source Sans Pro Light"/>
             </a:endParaRPr>
           </a:p>
@@ -5778,7 +6142,7 @@
         <p:spPr>
           <a:xfrm>
             <a:off x="818356" y="317499"/>
-            <a:ext cx="17145000" cy="705321"/>
+            <a:ext cx="17145000" cy="751488"/>
           </a:xfrm>
           <a:prstGeom prst="rect">
             <a:avLst/>
@@ -5796,15 +6160,15 @@
               </a:spcBef>
             </a:pPr>
             <a:r>
-              <a:rPr lang="en-US" sz="4500" spc="-10">
+              <a:rPr lang="en-US" sz="4800" spc="-10">
                 <a:solidFill>
                   <a:srgbClr val="FFFFFF"/>
                 </a:solidFill>
                 <a:cs typeface="Source Sans Pro Light"/>
               </a:rPr>
-              <a:t>Chương 1. GIỚI THIỆU – Các lĩnh vực nghiên cứu</a:t>
-            </a:r>
-            <a:endParaRPr sz="4500" dirty="0">
+              <a:t>Chương 1. GIỚI THIỆU</a:t>
+            </a:r>
+            <a:endParaRPr sz="4800" dirty="0">
               <a:cs typeface="Source Sans Pro Light"/>
             </a:endParaRPr>
           </a:p>
@@ -5818,7 +6182,7 @@
         </p:nvSpPr>
         <p:spPr>
           <a:xfrm>
-            <a:off x="1046956" y="1689100"/>
+            <a:off x="1046956" y="2679700"/>
             <a:ext cx="16916400" cy="6110519"/>
           </a:xfrm>
           <a:prstGeom prst="rect">
@@ -5994,6 +6358,188 @@
               </a:rPr>
               <a:t>.</a:t>
             </a:r>
+          </a:p>
+        </p:txBody>
+      </p:sp>
+      <p:sp>
+        <p:nvSpPr>
+          <p:cNvPr id="3" name="Freeform: Shape 2">
+            <a:extLst>
+              <a:ext uri="{FF2B5EF4-FFF2-40B4-BE49-F238E27FC236}">
+                <a16:creationId xmlns:a16="http://schemas.microsoft.com/office/drawing/2014/main" id="{9E72E466-5FD7-9A33-C2C8-F6CFC1BD37CE}"/>
+              </a:ext>
+            </a:extLst>
+          </p:cNvPr>
+          <p:cNvSpPr/>
+          <p:nvPr/>
+        </p:nvSpPr>
+        <p:spPr>
+          <a:xfrm>
+            <a:off x="-1" y="1124818"/>
+            <a:ext cx="18572957" cy="1000863"/>
+          </a:xfrm>
+          <a:custGeom>
+            <a:avLst/>
+            <a:gdLst>
+              <a:gd name="connsiteX0" fmla="*/ 0 w 19044896"/>
+              <a:gd name="connsiteY0" fmla="*/ 0 h 814838"/>
+              <a:gd name="connsiteX1" fmla="*/ 17382432 w 19044896"/>
+              <a:gd name="connsiteY1" fmla="*/ 0 h 814838"/>
+              <a:gd name="connsiteX2" fmla="*/ 18288000 w 19044896"/>
+              <a:gd name="connsiteY2" fmla="*/ 0 h 814838"/>
+              <a:gd name="connsiteX3" fmla="*/ 18726162 w 19044896"/>
+              <a:gd name="connsiteY3" fmla="*/ 0 h 814838"/>
+              <a:gd name="connsiteX4" fmla="*/ 19044896 w 19044896"/>
+              <a:gd name="connsiteY4" fmla="*/ 407419 h 814838"/>
+              <a:gd name="connsiteX5" fmla="*/ 18726162 w 19044896"/>
+              <a:gd name="connsiteY5" fmla="*/ 814838 h 814838"/>
+              <a:gd name="connsiteX6" fmla="*/ 18288000 w 19044896"/>
+              <a:gd name="connsiteY6" fmla="*/ 814838 h 814838"/>
+              <a:gd name="connsiteX7" fmla="*/ 17382432 w 19044896"/>
+              <a:gd name="connsiteY7" fmla="*/ 814838 h 814838"/>
+              <a:gd name="connsiteX8" fmla="*/ 0 w 19044896"/>
+              <a:gd name="connsiteY8" fmla="*/ 814838 h 814838"/>
+            </a:gdLst>
+            <a:ahLst/>
+            <a:cxnLst>
+              <a:cxn ang="0">
+                <a:pos x="connsiteX0" y="connsiteY0"/>
+              </a:cxn>
+              <a:cxn ang="0">
+                <a:pos x="connsiteX1" y="connsiteY1"/>
+              </a:cxn>
+              <a:cxn ang="0">
+                <a:pos x="connsiteX2" y="connsiteY2"/>
+              </a:cxn>
+              <a:cxn ang="0">
+                <a:pos x="connsiteX3" y="connsiteY3"/>
+              </a:cxn>
+              <a:cxn ang="0">
+                <a:pos x="connsiteX4" y="connsiteY4"/>
+              </a:cxn>
+              <a:cxn ang="0">
+                <a:pos x="connsiteX5" y="connsiteY5"/>
+              </a:cxn>
+              <a:cxn ang="0">
+                <a:pos x="connsiteX6" y="connsiteY6"/>
+              </a:cxn>
+              <a:cxn ang="0">
+                <a:pos x="connsiteX7" y="connsiteY7"/>
+              </a:cxn>
+              <a:cxn ang="0">
+                <a:pos x="connsiteX8" y="connsiteY8"/>
+              </a:cxn>
+            </a:cxnLst>
+            <a:rect l="l" t="t" r="r" b="b"/>
+            <a:pathLst>
+              <a:path w="19044896" h="814838">
+                <a:moveTo>
+                  <a:pt x="0" y="0"/>
+                </a:moveTo>
+                <a:lnTo>
+                  <a:pt x="17382432" y="0"/>
+                </a:lnTo>
+                <a:lnTo>
+                  <a:pt x="18288000" y="0"/>
+                </a:lnTo>
+                <a:lnTo>
+                  <a:pt x="18726162" y="0"/>
+                </a:lnTo>
+                <a:cubicBezTo>
+                  <a:pt x="18902178" y="0"/>
+                  <a:pt x="19044896" y="182396"/>
+                  <a:pt x="19044896" y="407419"/>
+                </a:cubicBezTo>
+                <a:cubicBezTo>
+                  <a:pt x="19044896" y="632443"/>
+                  <a:pt x="18902178" y="814838"/>
+                  <a:pt x="18726162" y="814838"/>
+                </a:cubicBezTo>
+                <a:lnTo>
+                  <a:pt x="18288000" y="814838"/>
+                </a:lnTo>
+                <a:lnTo>
+                  <a:pt x="17382432" y="814838"/>
+                </a:lnTo>
+                <a:lnTo>
+                  <a:pt x="0" y="814838"/>
+                </a:lnTo>
+                <a:close/>
+              </a:path>
+            </a:pathLst>
+          </a:custGeom>
+          <a:ln>
+            <a:noFill/>
+          </a:ln>
+        </p:spPr>
+        <p:style>
+          <a:lnRef idx="3">
+            <a:schemeClr val="lt1"/>
+          </a:lnRef>
+          <a:fillRef idx="1">
+            <a:schemeClr val="accent2"/>
+          </a:fillRef>
+          <a:effectRef idx="1">
+            <a:schemeClr val="accent2"/>
+          </a:effectRef>
+          <a:fontRef idx="minor">
+            <a:schemeClr val="lt1"/>
+          </a:fontRef>
+        </p:style>
+        <p:txBody>
+          <a:bodyPr wrap="square" rtlCol="0" anchor="ctr">
+            <a:noAutofit/>
+          </a:bodyPr>
+          <a:lstStyle/>
+          <a:p>
+            <a:pPr algn="ctr"/>
+            <a:endParaRPr lang="en-US"/>
+          </a:p>
+        </p:txBody>
+      </p:sp>
+      <p:sp>
+        <p:nvSpPr>
+          <p:cNvPr id="5" name="object 20">
+            <a:extLst>
+              <a:ext uri="{FF2B5EF4-FFF2-40B4-BE49-F238E27FC236}">
+                <a16:creationId xmlns:a16="http://schemas.microsoft.com/office/drawing/2014/main" id="{B5A8C853-915F-79AF-8BBC-70712266EC6C}"/>
+              </a:ext>
+            </a:extLst>
+          </p:cNvPr>
+          <p:cNvSpPr txBox="1"/>
+          <p:nvPr/>
+        </p:nvSpPr>
+        <p:spPr>
+          <a:xfrm>
+            <a:off x="757564" y="1179062"/>
+            <a:ext cx="17205792" cy="814838"/>
+          </a:xfrm>
+          <a:prstGeom prst="rect">
+            <a:avLst/>
+          </a:prstGeom>
+        </p:spPr>
+        <p:txBody>
+          <a:bodyPr vert="horz" wrap="square" lIns="0" tIns="12700" rIns="0" bIns="0" rtlCol="0">
+            <a:spAutoFit/>
+          </a:bodyPr>
+          <a:lstStyle/>
+          <a:p>
+            <a:pPr marL="583565" marR="5080" indent="-571500" algn="just">
+              <a:lnSpc>
+                <a:spcPct val="130000"/>
+              </a:lnSpc>
+              <a:buFont typeface="Wingdings" panose="05000000000000000000" pitchFamily="2" charset="2"/>
+              <a:buChar char="§"/>
+            </a:pPr>
+            <a:r>
+              <a:rPr lang="en-US" sz="4400" spc="-5">
+                <a:cs typeface="Source Sans Pro Light"/>
+              </a:rPr>
+              <a:t>Lĩnh vực nghiên cứu</a:t>
+            </a:r>
+            <a:endParaRPr lang="vi-VN" sz="4400" spc="-5">
+              <a:cs typeface="Source Sans Pro Light"/>
+            </a:endParaRPr>
           </a:p>
         </p:txBody>
       </p:sp>
@@ -6086,7 +6632,7 @@
         <p:spPr>
           <a:xfrm>
             <a:off x="818356" y="317499"/>
-            <a:ext cx="17145000" cy="705321"/>
+            <a:ext cx="17145000" cy="751488"/>
           </a:xfrm>
           <a:prstGeom prst="rect">
             <a:avLst/>
@@ -6104,15 +6650,15 @@
               </a:spcBef>
             </a:pPr>
             <a:r>
-              <a:rPr lang="en-US" sz="4500" spc="-10">
+              <a:rPr lang="en-US" sz="4800" spc="-10">
                 <a:solidFill>
                   <a:srgbClr val="FFFFFF"/>
                 </a:solidFill>
                 <a:cs typeface="Source Sans Pro Light"/>
               </a:rPr>
-              <a:t>Chương 1. GIỚI THIỆU – Các lĩnh vực nghiên cứu (tt)</a:t>
-            </a:r>
-            <a:endParaRPr sz="4500" dirty="0">
+              <a:t>Chương 1. GIỚI THIỆU</a:t>
+            </a:r>
+            <a:endParaRPr sz="4800" dirty="0">
               <a:cs typeface="Source Sans Pro Light"/>
             </a:endParaRPr>
           </a:p>
@@ -6126,7 +6672,7 @@
         </p:nvSpPr>
         <p:spPr>
           <a:xfrm>
-            <a:off x="1046956" y="1689100"/>
+            <a:off x="932656" y="2451100"/>
             <a:ext cx="16916400" cy="7790979"/>
           </a:xfrm>
           <a:prstGeom prst="rect">
@@ -6277,6 +6823,188 @@
               </a:solidFill>
               <a:cs typeface="Source Sans Pro Light"/>
               <a:sym typeface="Wingdings" panose="05000000000000000000" pitchFamily="2" charset="2"/>
+            </a:endParaRPr>
+          </a:p>
+        </p:txBody>
+      </p:sp>
+      <p:sp>
+        <p:nvSpPr>
+          <p:cNvPr id="3" name="Freeform: Shape 2">
+            <a:extLst>
+              <a:ext uri="{FF2B5EF4-FFF2-40B4-BE49-F238E27FC236}">
+                <a16:creationId xmlns:a16="http://schemas.microsoft.com/office/drawing/2014/main" id="{9A173609-BBCD-FF0B-BC17-A516B6E1169F}"/>
+              </a:ext>
+            </a:extLst>
+          </p:cNvPr>
+          <p:cNvSpPr/>
+          <p:nvPr/>
+        </p:nvSpPr>
+        <p:spPr>
+          <a:xfrm>
+            <a:off x="-1" y="1124818"/>
+            <a:ext cx="18572957" cy="1000863"/>
+          </a:xfrm>
+          <a:custGeom>
+            <a:avLst/>
+            <a:gdLst>
+              <a:gd name="connsiteX0" fmla="*/ 0 w 19044896"/>
+              <a:gd name="connsiteY0" fmla="*/ 0 h 814838"/>
+              <a:gd name="connsiteX1" fmla="*/ 17382432 w 19044896"/>
+              <a:gd name="connsiteY1" fmla="*/ 0 h 814838"/>
+              <a:gd name="connsiteX2" fmla="*/ 18288000 w 19044896"/>
+              <a:gd name="connsiteY2" fmla="*/ 0 h 814838"/>
+              <a:gd name="connsiteX3" fmla="*/ 18726162 w 19044896"/>
+              <a:gd name="connsiteY3" fmla="*/ 0 h 814838"/>
+              <a:gd name="connsiteX4" fmla="*/ 19044896 w 19044896"/>
+              <a:gd name="connsiteY4" fmla="*/ 407419 h 814838"/>
+              <a:gd name="connsiteX5" fmla="*/ 18726162 w 19044896"/>
+              <a:gd name="connsiteY5" fmla="*/ 814838 h 814838"/>
+              <a:gd name="connsiteX6" fmla="*/ 18288000 w 19044896"/>
+              <a:gd name="connsiteY6" fmla="*/ 814838 h 814838"/>
+              <a:gd name="connsiteX7" fmla="*/ 17382432 w 19044896"/>
+              <a:gd name="connsiteY7" fmla="*/ 814838 h 814838"/>
+              <a:gd name="connsiteX8" fmla="*/ 0 w 19044896"/>
+              <a:gd name="connsiteY8" fmla="*/ 814838 h 814838"/>
+            </a:gdLst>
+            <a:ahLst/>
+            <a:cxnLst>
+              <a:cxn ang="0">
+                <a:pos x="connsiteX0" y="connsiteY0"/>
+              </a:cxn>
+              <a:cxn ang="0">
+                <a:pos x="connsiteX1" y="connsiteY1"/>
+              </a:cxn>
+              <a:cxn ang="0">
+                <a:pos x="connsiteX2" y="connsiteY2"/>
+              </a:cxn>
+              <a:cxn ang="0">
+                <a:pos x="connsiteX3" y="connsiteY3"/>
+              </a:cxn>
+              <a:cxn ang="0">
+                <a:pos x="connsiteX4" y="connsiteY4"/>
+              </a:cxn>
+              <a:cxn ang="0">
+                <a:pos x="connsiteX5" y="connsiteY5"/>
+              </a:cxn>
+              <a:cxn ang="0">
+                <a:pos x="connsiteX6" y="connsiteY6"/>
+              </a:cxn>
+              <a:cxn ang="0">
+                <a:pos x="connsiteX7" y="connsiteY7"/>
+              </a:cxn>
+              <a:cxn ang="0">
+                <a:pos x="connsiteX8" y="connsiteY8"/>
+              </a:cxn>
+            </a:cxnLst>
+            <a:rect l="l" t="t" r="r" b="b"/>
+            <a:pathLst>
+              <a:path w="19044896" h="814838">
+                <a:moveTo>
+                  <a:pt x="0" y="0"/>
+                </a:moveTo>
+                <a:lnTo>
+                  <a:pt x="17382432" y="0"/>
+                </a:lnTo>
+                <a:lnTo>
+                  <a:pt x="18288000" y="0"/>
+                </a:lnTo>
+                <a:lnTo>
+                  <a:pt x="18726162" y="0"/>
+                </a:lnTo>
+                <a:cubicBezTo>
+                  <a:pt x="18902178" y="0"/>
+                  <a:pt x="19044896" y="182396"/>
+                  <a:pt x="19044896" y="407419"/>
+                </a:cubicBezTo>
+                <a:cubicBezTo>
+                  <a:pt x="19044896" y="632443"/>
+                  <a:pt x="18902178" y="814838"/>
+                  <a:pt x="18726162" y="814838"/>
+                </a:cubicBezTo>
+                <a:lnTo>
+                  <a:pt x="18288000" y="814838"/>
+                </a:lnTo>
+                <a:lnTo>
+                  <a:pt x="17382432" y="814838"/>
+                </a:lnTo>
+                <a:lnTo>
+                  <a:pt x="0" y="814838"/>
+                </a:lnTo>
+                <a:close/>
+              </a:path>
+            </a:pathLst>
+          </a:custGeom>
+          <a:ln>
+            <a:noFill/>
+          </a:ln>
+        </p:spPr>
+        <p:style>
+          <a:lnRef idx="3">
+            <a:schemeClr val="lt1"/>
+          </a:lnRef>
+          <a:fillRef idx="1">
+            <a:schemeClr val="accent2"/>
+          </a:fillRef>
+          <a:effectRef idx="1">
+            <a:schemeClr val="accent2"/>
+          </a:effectRef>
+          <a:fontRef idx="minor">
+            <a:schemeClr val="lt1"/>
+          </a:fontRef>
+        </p:style>
+        <p:txBody>
+          <a:bodyPr wrap="square" rtlCol="0" anchor="ctr">
+            <a:noAutofit/>
+          </a:bodyPr>
+          <a:lstStyle/>
+          <a:p>
+            <a:pPr algn="ctr"/>
+            <a:endParaRPr lang="en-US"/>
+          </a:p>
+        </p:txBody>
+      </p:sp>
+      <p:sp>
+        <p:nvSpPr>
+          <p:cNvPr id="5" name="object 20">
+            <a:extLst>
+              <a:ext uri="{FF2B5EF4-FFF2-40B4-BE49-F238E27FC236}">
+                <a16:creationId xmlns:a16="http://schemas.microsoft.com/office/drawing/2014/main" id="{61AA3FE2-B6CA-66B6-F12F-0BE699DAB383}"/>
+              </a:ext>
+            </a:extLst>
+          </p:cNvPr>
+          <p:cNvSpPr txBox="1"/>
+          <p:nvPr/>
+        </p:nvSpPr>
+        <p:spPr>
+          <a:xfrm>
+            <a:off x="757564" y="1179062"/>
+            <a:ext cx="17205792" cy="814838"/>
+          </a:xfrm>
+          <a:prstGeom prst="rect">
+            <a:avLst/>
+          </a:prstGeom>
+        </p:spPr>
+        <p:txBody>
+          <a:bodyPr vert="horz" wrap="square" lIns="0" tIns="12700" rIns="0" bIns="0" rtlCol="0">
+            <a:spAutoFit/>
+          </a:bodyPr>
+          <a:lstStyle/>
+          <a:p>
+            <a:pPr marL="583565" marR="5080" indent="-571500" algn="just">
+              <a:lnSpc>
+                <a:spcPct val="130000"/>
+              </a:lnSpc>
+              <a:buFont typeface="Wingdings" panose="05000000000000000000" pitchFamily="2" charset="2"/>
+              <a:buChar char="§"/>
+            </a:pPr>
+            <a:r>
+              <a:rPr lang="en-US" sz="4400" spc="-5">
+                <a:cs typeface="Source Sans Pro Light"/>
+              </a:rPr>
+              <a:t>Lĩnh vực nghiên cứu</a:t>
+            </a:r>
+            <a:endParaRPr lang="vi-VN" sz="4400" spc="-5">
+              <a:cs typeface="Source Sans Pro Light"/>
             </a:endParaRPr>
           </a:p>
         </p:txBody>
@@ -6370,7 +7098,7 @@
         <p:spPr>
           <a:xfrm>
             <a:off x="818356" y="317499"/>
-            <a:ext cx="17145000" cy="705321"/>
+            <a:ext cx="17145000" cy="751488"/>
           </a:xfrm>
           <a:prstGeom prst="rect">
             <a:avLst/>
@@ -6388,15 +7116,15 @@
               </a:spcBef>
             </a:pPr>
             <a:r>
-              <a:rPr lang="en-US" sz="4500" spc="-10">
+              <a:rPr lang="en-US" sz="4800" spc="-10">
                 <a:solidFill>
                   <a:srgbClr val="FFFFFF"/>
                 </a:solidFill>
                 <a:cs typeface="Source Sans Pro Light"/>
               </a:rPr>
-              <a:t>Chương 1. GIỚI THIỆU – Các lĩnh vực nghiên cứu (tt)</a:t>
-            </a:r>
-            <a:endParaRPr sz="4500" dirty="0">
+              <a:t>Chương 1. GIỚI THIỆU</a:t>
+            </a:r>
+            <a:endParaRPr sz="4800" dirty="0">
               <a:cs typeface="Source Sans Pro Light"/>
             </a:endParaRPr>
           </a:p>
@@ -6410,7 +7138,7 @@
         </p:nvSpPr>
         <p:spPr>
           <a:xfrm>
-            <a:off x="1046956" y="1689100"/>
+            <a:off x="1046956" y="2527300"/>
             <a:ext cx="16916400" cy="6503512"/>
           </a:xfrm>
           <a:prstGeom prst="rect">
@@ -6534,6 +7262,188 @@
               <a:t>thức,…</a:t>
             </a:r>
             <a:endParaRPr lang="en-US" sz="4000">
+              <a:cs typeface="Source Sans Pro Light"/>
+            </a:endParaRPr>
+          </a:p>
+        </p:txBody>
+      </p:sp>
+      <p:sp>
+        <p:nvSpPr>
+          <p:cNvPr id="3" name="Freeform: Shape 2">
+            <a:extLst>
+              <a:ext uri="{FF2B5EF4-FFF2-40B4-BE49-F238E27FC236}">
+                <a16:creationId xmlns:a16="http://schemas.microsoft.com/office/drawing/2014/main" id="{CD3DDBEA-F4EA-5E61-646F-AAECAF100986}"/>
+              </a:ext>
+            </a:extLst>
+          </p:cNvPr>
+          <p:cNvSpPr/>
+          <p:nvPr/>
+        </p:nvSpPr>
+        <p:spPr>
+          <a:xfrm>
+            <a:off x="-1" y="1124818"/>
+            <a:ext cx="18572957" cy="1000863"/>
+          </a:xfrm>
+          <a:custGeom>
+            <a:avLst/>
+            <a:gdLst>
+              <a:gd name="connsiteX0" fmla="*/ 0 w 19044896"/>
+              <a:gd name="connsiteY0" fmla="*/ 0 h 814838"/>
+              <a:gd name="connsiteX1" fmla="*/ 17382432 w 19044896"/>
+              <a:gd name="connsiteY1" fmla="*/ 0 h 814838"/>
+              <a:gd name="connsiteX2" fmla="*/ 18288000 w 19044896"/>
+              <a:gd name="connsiteY2" fmla="*/ 0 h 814838"/>
+              <a:gd name="connsiteX3" fmla="*/ 18726162 w 19044896"/>
+              <a:gd name="connsiteY3" fmla="*/ 0 h 814838"/>
+              <a:gd name="connsiteX4" fmla="*/ 19044896 w 19044896"/>
+              <a:gd name="connsiteY4" fmla="*/ 407419 h 814838"/>
+              <a:gd name="connsiteX5" fmla="*/ 18726162 w 19044896"/>
+              <a:gd name="connsiteY5" fmla="*/ 814838 h 814838"/>
+              <a:gd name="connsiteX6" fmla="*/ 18288000 w 19044896"/>
+              <a:gd name="connsiteY6" fmla="*/ 814838 h 814838"/>
+              <a:gd name="connsiteX7" fmla="*/ 17382432 w 19044896"/>
+              <a:gd name="connsiteY7" fmla="*/ 814838 h 814838"/>
+              <a:gd name="connsiteX8" fmla="*/ 0 w 19044896"/>
+              <a:gd name="connsiteY8" fmla="*/ 814838 h 814838"/>
+            </a:gdLst>
+            <a:ahLst/>
+            <a:cxnLst>
+              <a:cxn ang="0">
+                <a:pos x="connsiteX0" y="connsiteY0"/>
+              </a:cxn>
+              <a:cxn ang="0">
+                <a:pos x="connsiteX1" y="connsiteY1"/>
+              </a:cxn>
+              <a:cxn ang="0">
+                <a:pos x="connsiteX2" y="connsiteY2"/>
+              </a:cxn>
+              <a:cxn ang="0">
+                <a:pos x="connsiteX3" y="connsiteY3"/>
+              </a:cxn>
+              <a:cxn ang="0">
+                <a:pos x="connsiteX4" y="connsiteY4"/>
+              </a:cxn>
+              <a:cxn ang="0">
+                <a:pos x="connsiteX5" y="connsiteY5"/>
+              </a:cxn>
+              <a:cxn ang="0">
+                <a:pos x="connsiteX6" y="connsiteY6"/>
+              </a:cxn>
+              <a:cxn ang="0">
+                <a:pos x="connsiteX7" y="connsiteY7"/>
+              </a:cxn>
+              <a:cxn ang="0">
+                <a:pos x="connsiteX8" y="connsiteY8"/>
+              </a:cxn>
+            </a:cxnLst>
+            <a:rect l="l" t="t" r="r" b="b"/>
+            <a:pathLst>
+              <a:path w="19044896" h="814838">
+                <a:moveTo>
+                  <a:pt x="0" y="0"/>
+                </a:moveTo>
+                <a:lnTo>
+                  <a:pt x="17382432" y="0"/>
+                </a:lnTo>
+                <a:lnTo>
+                  <a:pt x="18288000" y="0"/>
+                </a:lnTo>
+                <a:lnTo>
+                  <a:pt x="18726162" y="0"/>
+                </a:lnTo>
+                <a:cubicBezTo>
+                  <a:pt x="18902178" y="0"/>
+                  <a:pt x="19044896" y="182396"/>
+                  <a:pt x="19044896" y="407419"/>
+                </a:cubicBezTo>
+                <a:cubicBezTo>
+                  <a:pt x="19044896" y="632443"/>
+                  <a:pt x="18902178" y="814838"/>
+                  <a:pt x="18726162" y="814838"/>
+                </a:cubicBezTo>
+                <a:lnTo>
+                  <a:pt x="18288000" y="814838"/>
+                </a:lnTo>
+                <a:lnTo>
+                  <a:pt x="17382432" y="814838"/>
+                </a:lnTo>
+                <a:lnTo>
+                  <a:pt x="0" y="814838"/>
+                </a:lnTo>
+                <a:close/>
+              </a:path>
+            </a:pathLst>
+          </a:custGeom>
+          <a:ln>
+            <a:noFill/>
+          </a:ln>
+        </p:spPr>
+        <p:style>
+          <a:lnRef idx="3">
+            <a:schemeClr val="lt1"/>
+          </a:lnRef>
+          <a:fillRef idx="1">
+            <a:schemeClr val="accent2"/>
+          </a:fillRef>
+          <a:effectRef idx="1">
+            <a:schemeClr val="accent2"/>
+          </a:effectRef>
+          <a:fontRef idx="minor">
+            <a:schemeClr val="lt1"/>
+          </a:fontRef>
+        </p:style>
+        <p:txBody>
+          <a:bodyPr wrap="square" rtlCol="0" anchor="ctr">
+            <a:noAutofit/>
+          </a:bodyPr>
+          <a:lstStyle/>
+          <a:p>
+            <a:pPr algn="ctr"/>
+            <a:endParaRPr lang="en-US"/>
+          </a:p>
+        </p:txBody>
+      </p:sp>
+      <p:sp>
+        <p:nvSpPr>
+          <p:cNvPr id="5" name="object 20">
+            <a:extLst>
+              <a:ext uri="{FF2B5EF4-FFF2-40B4-BE49-F238E27FC236}">
+                <a16:creationId xmlns:a16="http://schemas.microsoft.com/office/drawing/2014/main" id="{4C0F47C2-57AB-133B-9351-A1F9CD1C36BB}"/>
+              </a:ext>
+            </a:extLst>
+          </p:cNvPr>
+          <p:cNvSpPr txBox="1"/>
+          <p:nvPr/>
+        </p:nvSpPr>
+        <p:spPr>
+          <a:xfrm>
+            <a:off x="757564" y="1179062"/>
+            <a:ext cx="17205792" cy="814838"/>
+          </a:xfrm>
+          <a:prstGeom prst="rect">
+            <a:avLst/>
+          </a:prstGeom>
+        </p:spPr>
+        <p:txBody>
+          <a:bodyPr vert="horz" wrap="square" lIns="0" tIns="12700" rIns="0" bIns="0" rtlCol="0">
+            <a:spAutoFit/>
+          </a:bodyPr>
+          <a:lstStyle/>
+          <a:p>
+            <a:pPr marL="583565" marR="5080" indent="-571500" algn="just">
+              <a:lnSpc>
+                <a:spcPct val="130000"/>
+              </a:lnSpc>
+              <a:buFont typeface="Wingdings" panose="05000000000000000000" pitchFamily="2" charset="2"/>
+              <a:buChar char="§"/>
+            </a:pPr>
+            <a:r>
+              <a:rPr lang="en-US" sz="4400" spc="-5">
+                <a:cs typeface="Source Sans Pro Light"/>
+              </a:rPr>
+              <a:t>Lĩnh vực nghiên cứu</a:t>
+            </a:r>
+            <a:endParaRPr lang="vi-VN" sz="4400" spc="-5">
               <a:cs typeface="Source Sans Pro Light"/>
             </a:endParaRPr>
           </a:p>
@@ -6628,7 +7538,7 @@
         <p:spPr>
           <a:xfrm>
             <a:off x="818356" y="317499"/>
-            <a:ext cx="17145000" cy="705321"/>
+            <a:ext cx="17145000" cy="751488"/>
           </a:xfrm>
           <a:prstGeom prst="rect">
             <a:avLst/>
@@ -6646,15 +7556,15 @@
               </a:spcBef>
             </a:pPr>
             <a:r>
-              <a:rPr lang="en-US" sz="4500" spc="-10">
+              <a:rPr lang="en-US" sz="4800" spc="-10">
                 <a:solidFill>
                   <a:srgbClr val="FFFFFF"/>
                 </a:solidFill>
                 <a:cs typeface="Source Sans Pro Light"/>
               </a:rPr>
-              <a:t>Chương 1. GIỚI THIỆU – Các lĩnh vực nghiên cứu (tt)</a:t>
-            </a:r>
-            <a:endParaRPr sz="4500" dirty="0">
+              <a:t>Chương 1. GIỚI THIỆU</a:t>
+            </a:r>
+            <a:endParaRPr sz="4800" dirty="0">
               <a:cs typeface="Source Sans Pro Light"/>
             </a:endParaRPr>
           </a:p>
@@ -6668,7 +7578,7 @@
         </p:nvSpPr>
         <p:spPr>
           <a:xfrm>
-            <a:off x="1046956" y="1689100"/>
+            <a:off x="1081541" y="2451100"/>
             <a:ext cx="16916400" cy="6576416"/>
           </a:xfrm>
           <a:prstGeom prst="rect">
@@ -6798,6 +7708,188 @@
               <a:rPr lang="en-US" sz="4400"/>
               <a:t>Robotics</a:t>
             </a:r>
+          </a:p>
+        </p:txBody>
+      </p:sp>
+      <p:sp>
+        <p:nvSpPr>
+          <p:cNvPr id="3" name="Freeform: Shape 2">
+            <a:extLst>
+              <a:ext uri="{FF2B5EF4-FFF2-40B4-BE49-F238E27FC236}">
+                <a16:creationId xmlns:a16="http://schemas.microsoft.com/office/drawing/2014/main" id="{844960B4-1E9B-45EA-F5DA-27246E59F595}"/>
+              </a:ext>
+            </a:extLst>
+          </p:cNvPr>
+          <p:cNvSpPr/>
+          <p:nvPr/>
+        </p:nvSpPr>
+        <p:spPr>
+          <a:xfrm>
+            <a:off x="-1" y="1124818"/>
+            <a:ext cx="18572957" cy="1000863"/>
+          </a:xfrm>
+          <a:custGeom>
+            <a:avLst/>
+            <a:gdLst>
+              <a:gd name="connsiteX0" fmla="*/ 0 w 19044896"/>
+              <a:gd name="connsiteY0" fmla="*/ 0 h 814838"/>
+              <a:gd name="connsiteX1" fmla="*/ 17382432 w 19044896"/>
+              <a:gd name="connsiteY1" fmla="*/ 0 h 814838"/>
+              <a:gd name="connsiteX2" fmla="*/ 18288000 w 19044896"/>
+              <a:gd name="connsiteY2" fmla="*/ 0 h 814838"/>
+              <a:gd name="connsiteX3" fmla="*/ 18726162 w 19044896"/>
+              <a:gd name="connsiteY3" fmla="*/ 0 h 814838"/>
+              <a:gd name="connsiteX4" fmla="*/ 19044896 w 19044896"/>
+              <a:gd name="connsiteY4" fmla="*/ 407419 h 814838"/>
+              <a:gd name="connsiteX5" fmla="*/ 18726162 w 19044896"/>
+              <a:gd name="connsiteY5" fmla="*/ 814838 h 814838"/>
+              <a:gd name="connsiteX6" fmla="*/ 18288000 w 19044896"/>
+              <a:gd name="connsiteY6" fmla="*/ 814838 h 814838"/>
+              <a:gd name="connsiteX7" fmla="*/ 17382432 w 19044896"/>
+              <a:gd name="connsiteY7" fmla="*/ 814838 h 814838"/>
+              <a:gd name="connsiteX8" fmla="*/ 0 w 19044896"/>
+              <a:gd name="connsiteY8" fmla="*/ 814838 h 814838"/>
+            </a:gdLst>
+            <a:ahLst/>
+            <a:cxnLst>
+              <a:cxn ang="0">
+                <a:pos x="connsiteX0" y="connsiteY0"/>
+              </a:cxn>
+              <a:cxn ang="0">
+                <a:pos x="connsiteX1" y="connsiteY1"/>
+              </a:cxn>
+              <a:cxn ang="0">
+                <a:pos x="connsiteX2" y="connsiteY2"/>
+              </a:cxn>
+              <a:cxn ang="0">
+                <a:pos x="connsiteX3" y="connsiteY3"/>
+              </a:cxn>
+              <a:cxn ang="0">
+                <a:pos x="connsiteX4" y="connsiteY4"/>
+              </a:cxn>
+              <a:cxn ang="0">
+                <a:pos x="connsiteX5" y="connsiteY5"/>
+              </a:cxn>
+              <a:cxn ang="0">
+                <a:pos x="connsiteX6" y="connsiteY6"/>
+              </a:cxn>
+              <a:cxn ang="0">
+                <a:pos x="connsiteX7" y="connsiteY7"/>
+              </a:cxn>
+              <a:cxn ang="0">
+                <a:pos x="connsiteX8" y="connsiteY8"/>
+              </a:cxn>
+            </a:cxnLst>
+            <a:rect l="l" t="t" r="r" b="b"/>
+            <a:pathLst>
+              <a:path w="19044896" h="814838">
+                <a:moveTo>
+                  <a:pt x="0" y="0"/>
+                </a:moveTo>
+                <a:lnTo>
+                  <a:pt x="17382432" y="0"/>
+                </a:lnTo>
+                <a:lnTo>
+                  <a:pt x="18288000" y="0"/>
+                </a:lnTo>
+                <a:lnTo>
+                  <a:pt x="18726162" y="0"/>
+                </a:lnTo>
+                <a:cubicBezTo>
+                  <a:pt x="18902178" y="0"/>
+                  <a:pt x="19044896" y="182396"/>
+                  <a:pt x="19044896" y="407419"/>
+                </a:cubicBezTo>
+                <a:cubicBezTo>
+                  <a:pt x="19044896" y="632443"/>
+                  <a:pt x="18902178" y="814838"/>
+                  <a:pt x="18726162" y="814838"/>
+                </a:cubicBezTo>
+                <a:lnTo>
+                  <a:pt x="18288000" y="814838"/>
+                </a:lnTo>
+                <a:lnTo>
+                  <a:pt x="17382432" y="814838"/>
+                </a:lnTo>
+                <a:lnTo>
+                  <a:pt x="0" y="814838"/>
+                </a:lnTo>
+                <a:close/>
+              </a:path>
+            </a:pathLst>
+          </a:custGeom>
+          <a:ln>
+            <a:noFill/>
+          </a:ln>
+        </p:spPr>
+        <p:style>
+          <a:lnRef idx="3">
+            <a:schemeClr val="lt1"/>
+          </a:lnRef>
+          <a:fillRef idx="1">
+            <a:schemeClr val="accent2"/>
+          </a:fillRef>
+          <a:effectRef idx="1">
+            <a:schemeClr val="accent2"/>
+          </a:effectRef>
+          <a:fontRef idx="minor">
+            <a:schemeClr val="lt1"/>
+          </a:fontRef>
+        </p:style>
+        <p:txBody>
+          <a:bodyPr wrap="square" rtlCol="0" anchor="ctr">
+            <a:noAutofit/>
+          </a:bodyPr>
+          <a:lstStyle/>
+          <a:p>
+            <a:pPr algn="ctr"/>
+            <a:endParaRPr lang="en-US"/>
+          </a:p>
+        </p:txBody>
+      </p:sp>
+      <p:sp>
+        <p:nvSpPr>
+          <p:cNvPr id="5" name="object 20">
+            <a:extLst>
+              <a:ext uri="{FF2B5EF4-FFF2-40B4-BE49-F238E27FC236}">
+                <a16:creationId xmlns:a16="http://schemas.microsoft.com/office/drawing/2014/main" id="{95E5F33F-2A17-BBD3-77A9-F02FF5819C79}"/>
+              </a:ext>
+            </a:extLst>
+          </p:cNvPr>
+          <p:cNvSpPr txBox="1"/>
+          <p:nvPr/>
+        </p:nvSpPr>
+        <p:spPr>
+          <a:xfrm>
+            <a:off x="757564" y="1179062"/>
+            <a:ext cx="17205792" cy="814838"/>
+          </a:xfrm>
+          <a:prstGeom prst="rect">
+            <a:avLst/>
+          </a:prstGeom>
+        </p:spPr>
+        <p:txBody>
+          <a:bodyPr vert="horz" wrap="square" lIns="0" tIns="12700" rIns="0" bIns="0" rtlCol="0">
+            <a:spAutoFit/>
+          </a:bodyPr>
+          <a:lstStyle/>
+          <a:p>
+            <a:pPr marL="583565" marR="5080" indent="-571500" algn="just">
+              <a:lnSpc>
+                <a:spcPct val="130000"/>
+              </a:lnSpc>
+              <a:buFont typeface="Wingdings" panose="05000000000000000000" pitchFamily="2" charset="2"/>
+              <a:buChar char="§"/>
+            </a:pPr>
+            <a:r>
+              <a:rPr lang="en-US" sz="4400" spc="-5">
+                <a:cs typeface="Source Sans Pro Light"/>
+              </a:rPr>
+              <a:t>Lĩnh vực nghiên cứu</a:t>
+            </a:r>
+            <a:endParaRPr lang="vi-VN" sz="4400" spc="-5">
+              <a:cs typeface="Source Sans Pro Light"/>
+            </a:endParaRPr>
           </a:p>
         </p:txBody>
       </p:sp>
@@ -6905,7 +7997,7 @@
         </p:nvSpPr>
         <p:spPr>
           <a:xfrm>
-            <a:off x="-1" y="0"/>
+            <a:off x="-8958" y="0"/>
             <a:ext cx="19010313" cy="1112119"/>
           </a:xfrm>
           <a:custGeom>
@@ -6956,7 +8048,7 @@
         <p:spPr>
           <a:xfrm>
             <a:off x="818356" y="317499"/>
-            <a:ext cx="17145000" cy="705321"/>
+            <a:ext cx="17145000" cy="751488"/>
           </a:xfrm>
           <a:prstGeom prst="rect">
             <a:avLst/>
@@ -6974,15 +8066,15 @@
               </a:spcBef>
             </a:pPr>
             <a:r>
-              <a:rPr lang="en-US" sz="4500" spc="-10">
+              <a:rPr lang="en-US" sz="4800" spc="-10">
                 <a:solidFill>
                   <a:srgbClr val="FFFFFF"/>
                 </a:solidFill>
                 <a:cs typeface="Source Sans Pro Light"/>
               </a:rPr>
-              <a:t>Chương 1. GIỚI THIỆU – Khái niệm</a:t>
-            </a:r>
-            <a:endParaRPr sz="4500" dirty="0">
+              <a:t>Chương 1. GIỚI THIỆU</a:t>
+            </a:r>
+            <a:endParaRPr sz="4800" dirty="0">
               <a:cs typeface="Source Sans Pro Light"/>
             </a:endParaRPr>
           </a:p>
@@ -6996,8 +8088,8 @@
         </p:nvSpPr>
         <p:spPr>
           <a:xfrm>
-            <a:off x="1046956" y="1460500"/>
-            <a:ext cx="16916400" cy="9020675"/>
+            <a:off x="828277" y="2181739"/>
+            <a:ext cx="16916400" cy="8103950"/>
           </a:xfrm>
           <a:prstGeom prst="rect">
             <a:avLst/>
@@ -7120,15 +8212,7 @@
             </a:pPr>
             <a:r>
               <a:rPr lang="vi-VN" sz="4000" spc="-5"/>
-              <a:t>Là thông tin chứa đựng 2 phần: Các khái niệm (cơ bản &amp; phát</a:t>
-            </a:r>
-            <a:r>
-              <a:rPr lang="en-US" sz="4000" spc="-5"/>
-              <a:t> </a:t>
-            </a:r>
-            <a:r>
-              <a:rPr lang="vi-VN" sz="4000" spc="-5"/>
-              <a:t>triển) và các phương pháp nhận thức (quy luật, suy diễn...)</a:t>
+              <a:t>Là thông tin chứa đựng 2 phần: Các khái niệm và các phương pháp nhận thức (quy luật, suy diễn...)</a:t>
             </a:r>
             <a:r>
               <a:rPr lang="en-US" sz="4000" spc="-5"/>
@@ -7136,8 +8220,172 @@
             </a:r>
             <a:endParaRPr lang="vi-VN" sz="4000" spc="-5"/>
           </a:p>
-          <a:p>
-            <a:pPr marL="1040765" marR="5080" lvl="1" indent="-571500" algn="just">
+        </p:txBody>
+      </p:sp>
+      <p:sp>
+        <p:nvSpPr>
+          <p:cNvPr id="3" name="Freeform: Shape 2">
+            <a:extLst>
+              <a:ext uri="{FF2B5EF4-FFF2-40B4-BE49-F238E27FC236}">
+                <a16:creationId xmlns:a16="http://schemas.microsoft.com/office/drawing/2014/main" id="{54CE2A7D-9DB0-761A-E2C3-01E8D6C18961}"/>
+              </a:ext>
+            </a:extLst>
+          </p:cNvPr>
+          <p:cNvSpPr/>
+          <p:nvPr/>
+        </p:nvSpPr>
+        <p:spPr>
+          <a:xfrm>
+            <a:off x="-1" y="1124818"/>
+            <a:ext cx="18572957" cy="1000863"/>
+          </a:xfrm>
+          <a:custGeom>
+            <a:avLst/>
+            <a:gdLst>
+              <a:gd name="connsiteX0" fmla="*/ 0 w 19044896"/>
+              <a:gd name="connsiteY0" fmla="*/ 0 h 814838"/>
+              <a:gd name="connsiteX1" fmla="*/ 17382432 w 19044896"/>
+              <a:gd name="connsiteY1" fmla="*/ 0 h 814838"/>
+              <a:gd name="connsiteX2" fmla="*/ 18288000 w 19044896"/>
+              <a:gd name="connsiteY2" fmla="*/ 0 h 814838"/>
+              <a:gd name="connsiteX3" fmla="*/ 18726162 w 19044896"/>
+              <a:gd name="connsiteY3" fmla="*/ 0 h 814838"/>
+              <a:gd name="connsiteX4" fmla="*/ 19044896 w 19044896"/>
+              <a:gd name="connsiteY4" fmla="*/ 407419 h 814838"/>
+              <a:gd name="connsiteX5" fmla="*/ 18726162 w 19044896"/>
+              <a:gd name="connsiteY5" fmla="*/ 814838 h 814838"/>
+              <a:gd name="connsiteX6" fmla="*/ 18288000 w 19044896"/>
+              <a:gd name="connsiteY6" fmla="*/ 814838 h 814838"/>
+              <a:gd name="connsiteX7" fmla="*/ 17382432 w 19044896"/>
+              <a:gd name="connsiteY7" fmla="*/ 814838 h 814838"/>
+              <a:gd name="connsiteX8" fmla="*/ 0 w 19044896"/>
+              <a:gd name="connsiteY8" fmla="*/ 814838 h 814838"/>
+            </a:gdLst>
+            <a:ahLst/>
+            <a:cxnLst>
+              <a:cxn ang="0">
+                <a:pos x="connsiteX0" y="connsiteY0"/>
+              </a:cxn>
+              <a:cxn ang="0">
+                <a:pos x="connsiteX1" y="connsiteY1"/>
+              </a:cxn>
+              <a:cxn ang="0">
+                <a:pos x="connsiteX2" y="connsiteY2"/>
+              </a:cxn>
+              <a:cxn ang="0">
+                <a:pos x="connsiteX3" y="connsiteY3"/>
+              </a:cxn>
+              <a:cxn ang="0">
+                <a:pos x="connsiteX4" y="connsiteY4"/>
+              </a:cxn>
+              <a:cxn ang="0">
+                <a:pos x="connsiteX5" y="connsiteY5"/>
+              </a:cxn>
+              <a:cxn ang="0">
+                <a:pos x="connsiteX6" y="connsiteY6"/>
+              </a:cxn>
+              <a:cxn ang="0">
+                <a:pos x="connsiteX7" y="connsiteY7"/>
+              </a:cxn>
+              <a:cxn ang="0">
+                <a:pos x="connsiteX8" y="connsiteY8"/>
+              </a:cxn>
+            </a:cxnLst>
+            <a:rect l="l" t="t" r="r" b="b"/>
+            <a:pathLst>
+              <a:path w="19044896" h="814838">
+                <a:moveTo>
+                  <a:pt x="0" y="0"/>
+                </a:moveTo>
+                <a:lnTo>
+                  <a:pt x="17382432" y="0"/>
+                </a:lnTo>
+                <a:lnTo>
+                  <a:pt x="18288000" y="0"/>
+                </a:lnTo>
+                <a:lnTo>
+                  <a:pt x="18726162" y="0"/>
+                </a:lnTo>
+                <a:cubicBezTo>
+                  <a:pt x="18902178" y="0"/>
+                  <a:pt x="19044896" y="182396"/>
+                  <a:pt x="19044896" y="407419"/>
+                </a:cubicBezTo>
+                <a:cubicBezTo>
+                  <a:pt x="19044896" y="632443"/>
+                  <a:pt x="18902178" y="814838"/>
+                  <a:pt x="18726162" y="814838"/>
+                </a:cubicBezTo>
+                <a:lnTo>
+                  <a:pt x="18288000" y="814838"/>
+                </a:lnTo>
+                <a:lnTo>
+                  <a:pt x="17382432" y="814838"/>
+                </a:lnTo>
+                <a:lnTo>
+                  <a:pt x="0" y="814838"/>
+                </a:lnTo>
+                <a:close/>
+              </a:path>
+            </a:pathLst>
+          </a:custGeom>
+          <a:ln>
+            <a:noFill/>
+          </a:ln>
+        </p:spPr>
+        <p:style>
+          <a:lnRef idx="3">
+            <a:schemeClr val="lt1"/>
+          </a:lnRef>
+          <a:fillRef idx="1">
+            <a:schemeClr val="accent2"/>
+          </a:fillRef>
+          <a:effectRef idx="1">
+            <a:schemeClr val="accent2"/>
+          </a:effectRef>
+          <a:fontRef idx="minor">
+            <a:schemeClr val="lt1"/>
+          </a:fontRef>
+        </p:style>
+        <p:txBody>
+          <a:bodyPr wrap="square" rtlCol="0" anchor="ctr">
+            <a:noAutofit/>
+          </a:bodyPr>
+          <a:lstStyle/>
+          <a:p>
+            <a:pPr algn="ctr"/>
+            <a:endParaRPr lang="en-US"/>
+          </a:p>
+        </p:txBody>
+      </p:sp>
+      <p:sp>
+        <p:nvSpPr>
+          <p:cNvPr id="5" name="object 20">
+            <a:extLst>
+              <a:ext uri="{FF2B5EF4-FFF2-40B4-BE49-F238E27FC236}">
+                <a16:creationId xmlns:a16="http://schemas.microsoft.com/office/drawing/2014/main" id="{CE3A7628-F2BA-A74A-AC4C-0630CC6BB2A5}"/>
+              </a:ext>
+            </a:extLst>
+          </p:cNvPr>
+          <p:cNvSpPr txBox="1"/>
+          <p:nvPr/>
+        </p:nvSpPr>
+        <p:spPr>
+          <a:xfrm>
+            <a:off x="757564" y="1179062"/>
+            <a:ext cx="17205792" cy="814838"/>
+          </a:xfrm>
+          <a:prstGeom prst="rect">
+            <a:avLst/>
+          </a:prstGeom>
+        </p:spPr>
+        <p:txBody>
+          <a:bodyPr vert="horz" wrap="square" lIns="0" tIns="12700" rIns="0" bIns="0" rtlCol="0">
+            <a:spAutoFit/>
+          </a:bodyPr>
+          <a:lstStyle/>
+          <a:p>
+            <a:pPr marL="583565" marR="5080" indent="-571500" algn="just">
               <a:lnSpc>
                 <a:spcPct val="130000"/>
               </a:lnSpc>
@@ -7145,17 +8393,14 @@
               <a:buChar char="§"/>
             </a:pPr>
             <a:r>
-              <a:rPr lang="vi-VN" sz="4000" spc="-5"/>
-              <a:t>Là </a:t>
-            </a:r>
-            <a:r>
-              <a:rPr lang="en-US" sz="4000" spc="-5"/>
-              <a:t>đi</a:t>
-            </a:r>
-            <a:r>
-              <a:rPr lang="vi-VN" sz="4000" spc="-5"/>
-              <a:t>ều kiện tiên quyết của các hành xử “thông minh”.</a:t>
-            </a:r>
+              <a:rPr lang="en-US" sz="4400" spc="-5">
+                <a:cs typeface="Source Sans Pro Light"/>
+              </a:rPr>
+              <a:t>Khái niệm</a:t>
+            </a:r>
+            <a:endParaRPr lang="vi-VN" sz="4400" spc="-5">
+              <a:cs typeface="Source Sans Pro Light"/>
+            </a:endParaRPr>
           </a:p>
         </p:txBody>
       </p:sp>
@@ -7248,7 +8493,7 @@
         <p:spPr>
           <a:xfrm>
             <a:off x="818356" y="317499"/>
-            <a:ext cx="17145000" cy="705321"/>
+            <a:ext cx="17145000" cy="751488"/>
           </a:xfrm>
           <a:prstGeom prst="rect">
             <a:avLst/>
@@ -7266,15 +8511,15 @@
               </a:spcBef>
             </a:pPr>
             <a:r>
-              <a:rPr lang="en-US" sz="4500" spc="-10">
+              <a:rPr lang="en-US" sz="4800" spc="-10">
                 <a:solidFill>
                   <a:srgbClr val="FFFFFF"/>
                 </a:solidFill>
                 <a:cs typeface="Source Sans Pro Light"/>
               </a:rPr>
-              <a:t>Chương 1. GIỚI THIỆU – Khái niệm (tt)</a:t>
-            </a:r>
-            <a:endParaRPr sz="4500" dirty="0">
+              <a:t>Chương 1. GIỚI THIỆU</a:t>
+            </a:r>
+            <a:endParaRPr sz="4800" dirty="0">
               <a:cs typeface="Source Sans Pro Light"/>
             </a:endParaRPr>
           </a:p>
@@ -7288,7 +8533,7 @@
         </p:nvSpPr>
         <p:spPr>
           <a:xfrm>
-            <a:off x="1046956" y="1689100"/>
+            <a:off x="1046956" y="2374900"/>
             <a:ext cx="16916400" cy="7263720"/>
           </a:xfrm>
           <a:prstGeom prst="rect">
@@ -7488,6 +8733,188 @@
               <a:rPr lang="vi-VN" sz="4000" spc="-5"/>
               <a:t>nói về tính thông minh.</a:t>
             </a:r>
+          </a:p>
+        </p:txBody>
+      </p:sp>
+      <p:sp>
+        <p:nvSpPr>
+          <p:cNvPr id="3" name="Freeform: Shape 2">
+            <a:extLst>
+              <a:ext uri="{FF2B5EF4-FFF2-40B4-BE49-F238E27FC236}">
+                <a16:creationId xmlns:a16="http://schemas.microsoft.com/office/drawing/2014/main" id="{8E7A8E29-C934-4CA2-0561-7A0913A2C3BA}"/>
+              </a:ext>
+            </a:extLst>
+          </p:cNvPr>
+          <p:cNvSpPr/>
+          <p:nvPr/>
+        </p:nvSpPr>
+        <p:spPr>
+          <a:xfrm>
+            <a:off x="-1" y="1124818"/>
+            <a:ext cx="18572957" cy="1000863"/>
+          </a:xfrm>
+          <a:custGeom>
+            <a:avLst/>
+            <a:gdLst>
+              <a:gd name="connsiteX0" fmla="*/ 0 w 19044896"/>
+              <a:gd name="connsiteY0" fmla="*/ 0 h 814838"/>
+              <a:gd name="connsiteX1" fmla="*/ 17382432 w 19044896"/>
+              <a:gd name="connsiteY1" fmla="*/ 0 h 814838"/>
+              <a:gd name="connsiteX2" fmla="*/ 18288000 w 19044896"/>
+              <a:gd name="connsiteY2" fmla="*/ 0 h 814838"/>
+              <a:gd name="connsiteX3" fmla="*/ 18726162 w 19044896"/>
+              <a:gd name="connsiteY3" fmla="*/ 0 h 814838"/>
+              <a:gd name="connsiteX4" fmla="*/ 19044896 w 19044896"/>
+              <a:gd name="connsiteY4" fmla="*/ 407419 h 814838"/>
+              <a:gd name="connsiteX5" fmla="*/ 18726162 w 19044896"/>
+              <a:gd name="connsiteY5" fmla="*/ 814838 h 814838"/>
+              <a:gd name="connsiteX6" fmla="*/ 18288000 w 19044896"/>
+              <a:gd name="connsiteY6" fmla="*/ 814838 h 814838"/>
+              <a:gd name="connsiteX7" fmla="*/ 17382432 w 19044896"/>
+              <a:gd name="connsiteY7" fmla="*/ 814838 h 814838"/>
+              <a:gd name="connsiteX8" fmla="*/ 0 w 19044896"/>
+              <a:gd name="connsiteY8" fmla="*/ 814838 h 814838"/>
+            </a:gdLst>
+            <a:ahLst/>
+            <a:cxnLst>
+              <a:cxn ang="0">
+                <a:pos x="connsiteX0" y="connsiteY0"/>
+              </a:cxn>
+              <a:cxn ang="0">
+                <a:pos x="connsiteX1" y="connsiteY1"/>
+              </a:cxn>
+              <a:cxn ang="0">
+                <a:pos x="connsiteX2" y="connsiteY2"/>
+              </a:cxn>
+              <a:cxn ang="0">
+                <a:pos x="connsiteX3" y="connsiteY3"/>
+              </a:cxn>
+              <a:cxn ang="0">
+                <a:pos x="connsiteX4" y="connsiteY4"/>
+              </a:cxn>
+              <a:cxn ang="0">
+                <a:pos x="connsiteX5" y="connsiteY5"/>
+              </a:cxn>
+              <a:cxn ang="0">
+                <a:pos x="connsiteX6" y="connsiteY6"/>
+              </a:cxn>
+              <a:cxn ang="0">
+                <a:pos x="connsiteX7" y="connsiteY7"/>
+              </a:cxn>
+              <a:cxn ang="0">
+                <a:pos x="connsiteX8" y="connsiteY8"/>
+              </a:cxn>
+            </a:cxnLst>
+            <a:rect l="l" t="t" r="r" b="b"/>
+            <a:pathLst>
+              <a:path w="19044896" h="814838">
+                <a:moveTo>
+                  <a:pt x="0" y="0"/>
+                </a:moveTo>
+                <a:lnTo>
+                  <a:pt x="17382432" y="0"/>
+                </a:lnTo>
+                <a:lnTo>
+                  <a:pt x="18288000" y="0"/>
+                </a:lnTo>
+                <a:lnTo>
+                  <a:pt x="18726162" y="0"/>
+                </a:lnTo>
+                <a:cubicBezTo>
+                  <a:pt x="18902178" y="0"/>
+                  <a:pt x="19044896" y="182396"/>
+                  <a:pt x="19044896" y="407419"/>
+                </a:cubicBezTo>
+                <a:cubicBezTo>
+                  <a:pt x="19044896" y="632443"/>
+                  <a:pt x="18902178" y="814838"/>
+                  <a:pt x="18726162" y="814838"/>
+                </a:cubicBezTo>
+                <a:lnTo>
+                  <a:pt x="18288000" y="814838"/>
+                </a:lnTo>
+                <a:lnTo>
+                  <a:pt x="17382432" y="814838"/>
+                </a:lnTo>
+                <a:lnTo>
+                  <a:pt x="0" y="814838"/>
+                </a:lnTo>
+                <a:close/>
+              </a:path>
+            </a:pathLst>
+          </a:custGeom>
+          <a:ln>
+            <a:noFill/>
+          </a:ln>
+        </p:spPr>
+        <p:style>
+          <a:lnRef idx="3">
+            <a:schemeClr val="lt1"/>
+          </a:lnRef>
+          <a:fillRef idx="1">
+            <a:schemeClr val="accent2"/>
+          </a:fillRef>
+          <a:effectRef idx="1">
+            <a:schemeClr val="accent2"/>
+          </a:effectRef>
+          <a:fontRef idx="minor">
+            <a:schemeClr val="lt1"/>
+          </a:fontRef>
+        </p:style>
+        <p:txBody>
+          <a:bodyPr wrap="square" rtlCol="0" anchor="ctr">
+            <a:noAutofit/>
+          </a:bodyPr>
+          <a:lstStyle/>
+          <a:p>
+            <a:pPr algn="ctr"/>
+            <a:endParaRPr lang="en-US"/>
+          </a:p>
+        </p:txBody>
+      </p:sp>
+      <p:sp>
+        <p:nvSpPr>
+          <p:cNvPr id="5" name="object 20">
+            <a:extLst>
+              <a:ext uri="{FF2B5EF4-FFF2-40B4-BE49-F238E27FC236}">
+                <a16:creationId xmlns:a16="http://schemas.microsoft.com/office/drawing/2014/main" id="{8183C93E-D307-1A1C-333C-A97F53ED0148}"/>
+              </a:ext>
+            </a:extLst>
+          </p:cNvPr>
+          <p:cNvSpPr txBox="1"/>
+          <p:nvPr/>
+        </p:nvSpPr>
+        <p:spPr>
+          <a:xfrm>
+            <a:off x="757564" y="1179062"/>
+            <a:ext cx="17205792" cy="814838"/>
+          </a:xfrm>
+          <a:prstGeom prst="rect">
+            <a:avLst/>
+          </a:prstGeom>
+        </p:spPr>
+        <p:txBody>
+          <a:bodyPr vert="horz" wrap="square" lIns="0" tIns="12700" rIns="0" bIns="0" rtlCol="0">
+            <a:spAutoFit/>
+          </a:bodyPr>
+          <a:lstStyle/>
+          <a:p>
+            <a:pPr marL="583565" marR="5080" indent="-571500" algn="just">
+              <a:lnSpc>
+                <a:spcPct val="130000"/>
+              </a:lnSpc>
+              <a:buFont typeface="Wingdings" panose="05000000000000000000" pitchFamily="2" charset="2"/>
+              <a:buChar char="§"/>
+            </a:pPr>
+            <a:r>
+              <a:rPr lang="en-US" sz="4400" spc="-5">
+                <a:cs typeface="Source Sans Pro Light"/>
+              </a:rPr>
+              <a:t>Khái niệm</a:t>
+            </a:r>
+            <a:endParaRPr lang="vi-VN" sz="4400" spc="-5">
+              <a:cs typeface="Source Sans Pro Light"/>
+            </a:endParaRPr>
           </a:p>
         </p:txBody>
       </p:sp>
@@ -7580,7 +9007,7 @@
         <p:spPr>
           <a:xfrm>
             <a:off x="818356" y="317499"/>
-            <a:ext cx="17145000" cy="705321"/>
+            <a:ext cx="17145000" cy="751488"/>
           </a:xfrm>
           <a:prstGeom prst="rect">
             <a:avLst/>
@@ -7598,15 +9025,15 @@
               </a:spcBef>
             </a:pPr>
             <a:r>
-              <a:rPr lang="en-US" sz="4500" spc="-10">
+              <a:rPr lang="vi-VN" sz="4800" spc="-10">
                 <a:solidFill>
                   <a:srgbClr val="FFFFFF"/>
                 </a:solidFill>
                 <a:cs typeface="Source Sans Pro Light"/>
               </a:rPr>
-              <a:t>Chương 1. GIỚI THIỆU – Khái niệm (tt)</a:t>
-            </a:r>
-            <a:endParaRPr sz="4500" dirty="0">
+              <a:t>Chương 1. GIỚI THIỆU</a:t>
+            </a:r>
+            <a:endParaRPr lang="vi-VN" sz="4800" dirty="0">
               <a:cs typeface="Source Sans Pro Light"/>
             </a:endParaRPr>
           </a:p>
@@ -7620,7 +9047,7 @@
         </p:nvSpPr>
         <p:spPr>
           <a:xfrm>
-            <a:off x="1046956" y="1689100"/>
+            <a:off x="932656" y="2374900"/>
             <a:ext cx="16916400" cy="7470891"/>
           </a:xfrm>
           <a:prstGeom prst="rect">
@@ -7788,6 +9215,188 @@
               <a:rPr lang="vi-VN" sz="3600" i="1" spc="-5"/>
               <a:t>suy luận và phản ứng</a:t>
             </a:r>
+          </a:p>
+        </p:txBody>
+      </p:sp>
+      <p:sp>
+        <p:nvSpPr>
+          <p:cNvPr id="3" name="Freeform: Shape 2">
+            <a:extLst>
+              <a:ext uri="{FF2B5EF4-FFF2-40B4-BE49-F238E27FC236}">
+                <a16:creationId xmlns:a16="http://schemas.microsoft.com/office/drawing/2014/main" id="{E868E450-B663-5E9F-1F2A-5C4232EA67F0}"/>
+              </a:ext>
+            </a:extLst>
+          </p:cNvPr>
+          <p:cNvSpPr/>
+          <p:nvPr/>
+        </p:nvSpPr>
+        <p:spPr>
+          <a:xfrm>
+            <a:off x="-1" y="1124818"/>
+            <a:ext cx="18572957" cy="1000863"/>
+          </a:xfrm>
+          <a:custGeom>
+            <a:avLst/>
+            <a:gdLst>
+              <a:gd name="connsiteX0" fmla="*/ 0 w 19044896"/>
+              <a:gd name="connsiteY0" fmla="*/ 0 h 814838"/>
+              <a:gd name="connsiteX1" fmla="*/ 17382432 w 19044896"/>
+              <a:gd name="connsiteY1" fmla="*/ 0 h 814838"/>
+              <a:gd name="connsiteX2" fmla="*/ 18288000 w 19044896"/>
+              <a:gd name="connsiteY2" fmla="*/ 0 h 814838"/>
+              <a:gd name="connsiteX3" fmla="*/ 18726162 w 19044896"/>
+              <a:gd name="connsiteY3" fmla="*/ 0 h 814838"/>
+              <a:gd name="connsiteX4" fmla="*/ 19044896 w 19044896"/>
+              <a:gd name="connsiteY4" fmla="*/ 407419 h 814838"/>
+              <a:gd name="connsiteX5" fmla="*/ 18726162 w 19044896"/>
+              <a:gd name="connsiteY5" fmla="*/ 814838 h 814838"/>
+              <a:gd name="connsiteX6" fmla="*/ 18288000 w 19044896"/>
+              <a:gd name="connsiteY6" fmla="*/ 814838 h 814838"/>
+              <a:gd name="connsiteX7" fmla="*/ 17382432 w 19044896"/>
+              <a:gd name="connsiteY7" fmla="*/ 814838 h 814838"/>
+              <a:gd name="connsiteX8" fmla="*/ 0 w 19044896"/>
+              <a:gd name="connsiteY8" fmla="*/ 814838 h 814838"/>
+            </a:gdLst>
+            <a:ahLst/>
+            <a:cxnLst>
+              <a:cxn ang="0">
+                <a:pos x="connsiteX0" y="connsiteY0"/>
+              </a:cxn>
+              <a:cxn ang="0">
+                <a:pos x="connsiteX1" y="connsiteY1"/>
+              </a:cxn>
+              <a:cxn ang="0">
+                <a:pos x="connsiteX2" y="connsiteY2"/>
+              </a:cxn>
+              <a:cxn ang="0">
+                <a:pos x="connsiteX3" y="connsiteY3"/>
+              </a:cxn>
+              <a:cxn ang="0">
+                <a:pos x="connsiteX4" y="connsiteY4"/>
+              </a:cxn>
+              <a:cxn ang="0">
+                <a:pos x="connsiteX5" y="connsiteY5"/>
+              </a:cxn>
+              <a:cxn ang="0">
+                <a:pos x="connsiteX6" y="connsiteY6"/>
+              </a:cxn>
+              <a:cxn ang="0">
+                <a:pos x="connsiteX7" y="connsiteY7"/>
+              </a:cxn>
+              <a:cxn ang="0">
+                <a:pos x="connsiteX8" y="connsiteY8"/>
+              </a:cxn>
+            </a:cxnLst>
+            <a:rect l="l" t="t" r="r" b="b"/>
+            <a:pathLst>
+              <a:path w="19044896" h="814838">
+                <a:moveTo>
+                  <a:pt x="0" y="0"/>
+                </a:moveTo>
+                <a:lnTo>
+                  <a:pt x="17382432" y="0"/>
+                </a:lnTo>
+                <a:lnTo>
+                  <a:pt x="18288000" y="0"/>
+                </a:lnTo>
+                <a:lnTo>
+                  <a:pt x="18726162" y="0"/>
+                </a:lnTo>
+                <a:cubicBezTo>
+                  <a:pt x="18902178" y="0"/>
+                  <a:pt x="19044896" y="182396"/>
+                  <a:pt x="19044896" y="407419"/>
+                </a:cubicBezTo>
+                <a:cubicBezTo>
+                  <a:pt x="19044896" y="632443"/>
+                  <a:pt x="18902178" y="814838"/>
+                  <a:pt x="18726162" y="814838"/>
+                </a:cubicBezTo>
+                <a:lnTo>
+                  <a:pt x="18288000" y="814838"/>
+                </a:lnTo>
+                <a:lnTo>
+                  <a:pt x="17382432" y="814838"/>
+                </a:lnTo>
+                <a:lnTo>
+                  <a:pt x="0" y="814838"/>
+                </a:lnTo>
+                <a:close/>
+              </a:path>
+            </a:pathLst>
+          </a:custGeom>
+          <a:ln>
+            <a:noFill/>
+          </a:ln>
+        </p:spPr>
+        <p:style>
+          <a:lnRef idx="3">
+            <a:schemeClr val="lt1"/>
+          </a:lnRef>
+          <a:fillRef idx="1">
+            <a:schemeClr val="accent2"/>
+          </a:fillRef>
+          <a:effectRef idx="1">
+            <a:schemeClr val="accent2"/>
+          </a:effectRef>
+          <a:fontRef idx="minor">
+            <a:schemeClr val="lt1"/>
+          </a:fontRef>
+        </p:style>
+        <p:txBody>
+          <a:bodyPr wrap="square" rtlCol="0" anchor="ctr">
+            <a:noAutofit/>
+          </a:bodyPr>
+          <a:lstStyle/>
+          <a:p>
+            <a:pPr algn="ctr"/>
+            <a:endParaRPr lang="en-US"/>
+          </a:p>
+        </p:txBody>
+      </p:sp>
+      <p:sp>
+        <p:nvSpPr>
+          <p:cNvPr id="5" name="object 20">
+            <a:extLst>
+              <a:ext uri="{FF2B5EF4-FFF2-40B4-BE49-F238E27FC236}">
+                <a16:creationId xmlns:a16="http://schemas.microsoft.com/office/drawing/2014/main" id="{23814C0D-8439-9075-AE39-49D87F6E17EA}"/>
+              </a:ext>
+            </a:extLst>
+          </p:cNvPr>
+          <p:cNvSpPr txBox="1"/>
+          <p:nvPr/>
+        </p:nvSpPr>
+        <p:spPr>
+          <a:xfrm>
+            <a:off x="757564" y="1179062"/>
+            <a:ext cx="17205792" cy="814838"/>
+          </a:xfrm>
+          <a:prstGeom prst="rect">
+            <a:avLst/>
+          </a:prstGeom>
+        </p:spPr>
+        <p:txBody>
+          <a:bodyPr vert="horz" wrap="square" lIns="0" tIns="12700" rIns="0" bIns="0" rtlCol="0">
+            <a:spAutoFit/>
+          </a:bodyPr>
+          <a:lstStyle/>
+          <a:p>
+            <a:pPr marL="583565" marR="5080" indent="-571500" algn="just">
+              <a:lnSpc>
+                <a:spcPct val="130000"/>
+              </a:lnSpc>
+              <a:buFont typeface="Wingdings" panose="05000000000000000000" pitchFamily="2" charset="2"/>
+              <a:buChar char="§"/>
+            </a:pPr>
+            <a:r>
+              <a:rPr lang="en-US" sz="4400" spc="-5">
+                <a:cs typeface="Source Sans Pro Light"/>
+              </a:rPr>
+              <a:t>Khái niệm</a:t>
+            </a:r>
+            <a:endParaRPr lang="vi-VN" sz="4400" spc="-5">
+              <a:cs typeface="Source Sans Pro Light"/>
+            </a:endParaRPr>
           </a:p>
         </p:txBody>
       </p:sp>
@@ -7880,7 +9489,7 @@
         <p:spPr>
           <a:xfrm>
             <a:off x="818356" y="317499"/>
-            <a:ext cx="17145000" cy="705321"/>
+            <a:ext cx="17145000" cy="751488"/>
           </a:xfrm>
           <a:prstGeom prst="rect">
             <a:avLst/>
@@ -7898,15 +9507,15 @@
               </a:spcBef>
             </a:pPr>
             <a:r>
-              <a:rPr lang="en-US" sz="4500" spc="-10">
+              <a:rPr lang="vi-VN" sz="4800" spc="-10">
                 <a:solidFill>
                   <a:srgbClr val="FFFFFF"/>
                 </a:solidFill>
                 <a:cs typeface="Source Sans Pro Light"/>
               </a:rPr>
-              <a:t>Chương 1. GIỚI THIỆU – Đối tượng nghiên cứu</a:t>
-            </a:r>
-            <a:endParaRPr sz="4500" dirty="0">
+              <a:t>Chương 1. GIỚI THIỆU</a:t>
+            </a:r>
+            <a:endParaRPr lang="vi-VN" sz="4800" dirty="0">
               <a:cs typeface="Source Sans Pro Light"/>
             </a:endParaRPr>
           </a:p>
@@ -7920,7 +9529,7 @@
         </p:nvSpPr>
         <p:spPr>
           <a:xfrm>
-            <a:off x="1046956" y="1689100"/>
+            <a:off x="1046956" y="2738678"/>
             <a:ext cx="16916400" cy="5216043"/>
           </a:xfrm>
           <a:prstGeom prst="rect">
@@ -8091,6 +9700,188 @@
               <a:t>.</a:t>
             </a:r>
             <a:endParaRPr lang="vi-VN" sz="3600" i="1" spc="-5"/>
+          </a:p>
+        </p:txBody>
+      </p:sp>
+      <p:sp>
+        <p:nvSpPr>
+          <p:cNvPr id="3" name="Freeform: Shape 2">
+            <a:extLst>
+              <a:ext uri="{FF2B5EF4-FFF2-40B4-BE49-F238E27FC236}">
+                <a16:creationId xmlns:a16="http://schemas.microsoft.com/office/drawing/2014/main" id="{D692EF72-6F3D-3148-A2CF-C425E8E23ED6}"/>
+              </a:ext>
+            </a:extLst>
+          </p:cNvPr>
+          <p:cNvSpPr/>
+          <p:nvPr/>
+        </p:nvSpPr>
+        <p:spPr>
+          <a:xfrm>
+            <a:off x="-1" y="1124818"/>
+            <a:ext cx="18572957" cy="1000863"/>
+          </a:xfrm>
+          <a:custGeom>
+            <a:avLst/>
+            <a:gdLst>
+              <a:gd name="connsiteX0" fmla="*/ 0 w 19044896"/>
+              <a:gd name="connsiteY0" fmla="*/ 0 h 814838"/>
+              <a:gd name="connsiteX1" fmla="*/ 17382432 w 19044896"/>
+              <a:gd name="connsiteY1" fmla="*/ 0 h 814838"/>
+              <a:gd name="connsiteX2" fmla="*/ 18288000 w 19044896"/>
+              <a:gd name="connsiteY2" fmla="*/ 0 h 814838"/>
+              <a:gd name="connsiteX3" fmla="*/ 18726162 w 19044896"/>
+              <a:gd name="connsiteY3" fmla="*/ 0 h 814838"/>
+              <a:gd name="connsiteX4" fmla="*/ 19044896 w 19044896"/>
+              <a:gd name="connsiteY4" fmla="*/ 407419 h 814838"/>
+              <a:gd name="connsiteX5" fmla="*/ 18726162 w 19044896"/>
+              <a:gd name="connsiteY5" fmla="*/ 814838 h 814838"/>
+              <a:gd name="connsiteX6" fmla="*/ 18288000 w 19044896"/>
+              <a:gd name="connsiteY6" fmla="*/ 814838 h 814838"/>
+              <a:gd name="connsiteX7" fmla="*/ 17382432 w 19044896"/>
+              <a:gd name="connsiteY7" fmla="*/ 814838 h 814838"/>
+              <a:gd name="connsiteX8" fmla="*/ 0 w 19044896"/>
+              <a:gd name="connsiteY8" fmla="*/ 814838 h 814838"/>
+            </a:gdLst>
+            <a:ahLst/>
+            <a:cxnLst>
+              <a:cxn ang="0">
+                <a:pos x="connsiteX0" y="connsiteY0"/>
+              </a:cxn>
+              <a:cxn ang="0">
+                <a:pos x="connsiteX1" y="connsiteY1"/>
+              </a:cxn>
+              <a:cxn ang="0">
+                <a:pos x="connsiteX2" y="connsiteY2"/>
+              </a:cxn>
+              <a:cxn ang="0">
+                <a:pos x="connsiteX3" y="connsiteY3"/>
+              </a:cxn>
+              <a:cxn ang="0">
+                <a:pos x="connsiteX4" y="connsiteY4"/>
+              </a:cxn>
+              <a:cxn ang="0">
+                <a:pos x="connsiteX5" y="connsiteY5"/>
+              </a:cxn>
+              <a:cxn ang="0">
+                <a:pos x="connsiteX6" y="connsiteY6"/>
+              </a:cxn>
+              <a:cxn ang="0">
+                <a:pos x="connsiteX7" y="connsiteY7"/>
+              </a:cxn>
+              <a:cxn ang="0">
+                <a:pos x="connsiteX8" y="connsiteY8"/>
+              </a:cxn>
+            </a:cxnLst>
+            <a:rect l="l" t="t" r="r" b="b"/>
+            <a:pathLst>
+              <a:path w="19044896" h="814838">
+                <a:moveTo>
+                  <a:pt x="0" y="0"/>
+                </a:moveTo>
+                <a:lnTo>
+                  <a:pt x="17382432" y="0"/>
+                </a:lnTo>
+                <a:lnTo>
+                  <a:pt x="18288000" y="0"/>
+                </a:lnTo>
+                <a:lnTo>
+                  <a:pt x="18726162" y="0"/>
+                </a:lnTo>
+                <a:cubicBezTo>
+                  <a:pt x="18902178" y="0"/>
+                  <a:pt x="19044896" y="182396"/>
+                  <a:pt x="19044896" y="407419"/>
+                </a:cubicBezTo>
+                <a:cubicBezTo>
+                  <a:pt x="19044896" y="632443"/>
+                  <a:pt x="18902178" y="814838"/>
+                  <a:pt x="18726162" y="814838"/>
+                </a:cubicBezTo>
+                <a:lnTo>
+                  <a:pt x="18288000" y="814838"/>
+                </a:lnTo>
+                <a:lnTo>
+                  <a:pt x="17382432" y="814838"/>
+                </a:lnTo>
+                <a:lnTo>
+                  <a:pt x="0" y="814838"/>
+                </a:lnTo>
+                <a:close/>
+              </a:path>
+            </a:pathLst>
+          </a:custGeom>
+          <a:ln>
+            <a:noFill/>
+          </a:ln>
+        </p:spPr>
+        <p:style>
+          <a:lnRef idx="3">
+            <a:schemeClr val="lt1"/>
+          </a:lnRef>
+          <a:fillRef idx="1">
+            <a:schemeClr val="accent2"/>
+          </a:fillRef>
+          <a:effectRef idx="1">
+            <a:schemeClr val="accent2"/>
+          </a:effectRef>
+          <a:fontRef idx="minor">
+            <a:schemeClr val="lt1"/>
+          </a:fontRef>
+        </p:style>
+        <p:txBody>
+          <a:bodyPr wrap="square" rtlCol="0" anchor="ctr">
+            <a:noAutofit/>
+          </a:bodyPr>
+          <a:lstStyle/>
+          <a:p>
+            <a:pPr algn="ctr"/>
+            <a:endParaRPr lang="en-US"/>
+          </a:p>
+        </p:txBody>
+      </p:sp>
+      <p:sp>
+        <p:nvSpPr>
+          <p:cNvPr id="5" name="object 20">
+            <a:extLst>
+              <a:ext uri="{FF2B5EF4-FFF2-40B4-BE49-F238E27FC236}">
+                <a16:creationId xmlns:a16="http://schemas.microsoft.com/office/drawing/2014/main" id="{CDB19BCD-3734-C79D-C94A-D60074943A79}"/>
+              </a:ext>
+            </a:extLst>
+          </p:cNvPr>
+          <p:cNvSpPr txBox="1"/>
+          <p:nvPr/>
+        </p:nvSpPr>
+        <p:spPr>
+          <a:xfrm>
+            <a:off x="757564" y="1179062"/>
+            <a:ext cx="17205792" cy="814838"/>
+          </a:xfrm>
+          <a:prstGeom prst="rect">
+            <a:avLst/>
+          </a:prstGeom>
+        </p:spPr>
+        <p:txBody>
+          <a:bodyPr vert="horz" wrap="square" lIns="0" tIns="12700" rIns="0" bIns="0" rtlCol="0">
+            <a:spAutoFit/>
+          </a:bodyPr>
+          <a:lstStyle/>
+          <a:p>
+            <a:pPr marL="583565" marR="5080" indent="-571500" algn="just">
+              <a:lnSpc>
+                <a:spcPct val="130000"/>
+              </a:lnSpc>
+              <a:buFont typeface="Wingdings" panose="05000000000000000000" pitchFamily="2" charset="2"/>
+              <a:buChar char="§"/>
+            </a:pPr>
+            <a:r>
+              <a:rPr lang="en-US" sz="4400" spc="-5">
+                <a:cs typeface="Source Sans Pro Light"/>
+              </a:rPr>
+              <a:t>Đối tượng nghiên cứu</a:t>
+            </a:r>
+            <a:endParaRPr lang="vi-VN" sz="4400" spc="-5">
+              <a:cs typeface="Source Sans Pro Light"/>
+            </a:endParaRPr>
           </a:p>
         </p:txBody>
       </p:sp>
@@ -8183,7 +9974,7 @@
         <p:spPr>
           <a:xfrm>
             <a:off x="818356" y="317499"/>
-            <a:ext cx="17145000" cy="705321"/>
+            <a:ext cx="17145000" cy="843821"/>
           </a:xfrm>
           <a:prstGeom prst="rect">
             <a:avLst/>
@@ -8201,15 +9992,15 @@
               </a:spcBef>
             </a:pPr>
             <a:r>
-              <a:rPr lang="en-US" sz="4500" spc="-10">
+              <a:rPr lang="vi-VN" sz="5400" spc="-10">
                 <a:solidFill>
                   <a:srgbClr val="FFFFFF"/>
                 </a:solidFill>
                 <a:cs typeface="Source Sans Pro Light"/>
               </a:rPr>
-              <a:t>Chương 1. GIỚI THIỆU – Mục tiêu</a:t>
-            </a:r>
-            <a:endParaRPr sz="4500" dirty="0">
+              <a:t>Chương 1. GIỚI THIỆU</a:t>
+            </a:r>
+            <a:endParaRPr lang="vi-VN" sz="5400" dirty="0">
               <a:cs typeface="Source Sans Pro Light"/>
             </a:endParaRPr>
           </a:p>
@@ -8223,7 +10014,7 @@
         </p:nvSpPr>
         <p:spPr>
           <a:xfrm>
-            <a:off x="1046956" y="1689100"/>
+            <a:off x="932656" y="2832100"/>
             <a:ext cx="16916400" cy="6423490"/>
           </a:xfrm>
           <a:prstGeom prst="rect">
@@ -8338,6 +10129,188 @@
               <a:rPr lang="vi-VN" sz="4000" spc="-5"/>
               <a:t>Áp dụng các hiểu biết này vào các máy móc phục vụ con người</a:t>
             </a:r>
+          </a:p>
+        </p:txBody>
+      </p:sp>
+      <p:sp>
+        <p:nvSpPr>
+          <p:cNvPr id="3" name="Freeform: Shape 2">
+            <a:extLst>
+              <a:ext uri="{FF2B5EF4-FFF2-40B4-BE49-F238E27FC236}">
+                <a16:creationId xmlns:a16="http://schemas.microsoft.com/office/drawing/2014/main" id="{9FB91034-441A-E746-9706-BFBA926621BD}"/>
+              </a:ext>
+            </a:extLst>
+          </p:cNvPr>
+          <p:cNvSpPr/>
+          <p:nvPr/>
+        </p:nvSpPr>
+        <p:spPr>
+          <a:xfrm>
+            <a:off x="-1" y="1124818"/>
+            <a:ext cx="18572957" cy="1000863"/>
+          </a:xfrm>
+          <a:custGeom>
+            <a:avLst/>
+            <a:gdLst>
+              <a:gd name="connsiteX0" fmla="*/ 0 w 19044896"/>
+              <a:gd name="connsiteY0" fmla="*/ 0 h 814838"/>
+              <a:gd name="connsiteX1" fmla="*/ 17382432 w 19044896"/>
+              <a:gd name="connsiteY1" fmla="*/ 0 h 814838"/>
+              <a:gd name="connsiteX2" fmla="*/ 18288000 w 19044896"/>
+              <a:gd name="connsiteY2" fmla="*/ 0 h 814838"/>
+              <a:gd name="connsiteX3" fmla="*/ 18726162 w 19044896"/>
+              <a:gd name="connsiteY3" fmla="*/ 0 h 814838"/>
+              <a:gd name="connsiteX4" fmla="*/ 19044896 w 19044896"/>
+              <a:gd name="connsiteY4" fmla="*/ 407419 h 814838"/>
+              <a:gd name="connsiteX5" fmla="*/ 18726162 w 19044896"/>
+              <a:gd name="connsiteY5" fmla="*/ 814838 h 814838"/>
+              <a:gd name="connsiteX6" fmla="*/ 18288000 w 19044896"/>
+              <a:gd name="connsiteY6" fmla="*/ 814838 h 814838"/>
+              <a:gd name="connsiteX7" fmla="*/ 17382432 w 19044896"/>
+              <a:gd name="connsiteY7" fmla="*/ 814838 h 814838"/>
+              <a:gd name="connsiteX8" fmla="*/ 0 w 19044896"/>
+              <a:gd name="connsiteY8" fmla="*/ 814838 h 814838"/>
+            </a:gdLst>
+            <a:ahLst/>
+            <a:cxnLst>
+              <a:cxn ang="0">
+                <a:pos x="connsiteX0" y="connsiteY0"/>
+              </a:cxn>
+              <a:cxn ang="0">
+                <a:pos x="connsiteX1" y="connsiteY1"/>
+              </a:cxn>
+              <a:cxn ang="0">
+                <a:pos x="connsiteX2" y="connsiteY2"/>
+              </a:cxn>
+              <a:cxn ang="0">
+                <a:pos x="connsiteX3" y="connsiteY3"/>
+              </a:cxn>
+              <a:cxn ang="0">
+                <a:pos x="connsiteX4" y="connsiteY4"/>
+              </a:cxn>
+              <a:cxn ang="0">
+                <a:pos x="connsiteX5" y="connsiteY5"/>
+              </a:cxn>
+              <a:cxn ang="0">
+                <a:pos x="connsiteX6" y="connsiteY6"/>
+              </a:cxn>
+              <a:cxn ang="0">
+                <a:pos x="connsiteX7" y="connsiteY7"/>
+              </a:cxn>
+              <a:cxn ang="0">
+                <a:pos x="connsiteX8" y="connsiteY8"/>
+              </a:cxn>
+            </a:cxnLst>
+            <a:rect l="l" t="t" r="r" b="b"/>
+            <a:pathLst>
+              <a:path w="19044896" h="814838">
+                <a:moveTo>
+                  <a:pt x="0" y="0"/>
+                </a:moveTo>
+                <a:lnTo>
+                  <a:pt x="17382432" y="0"/>
+                </a:lnTo>
+                <a:lnTo>
+                  <a:pt x="18288000" y="0"/>
+                </a:lnTo>
+                <a:lnTo>
+                  <a:pt x="18726162" y="0"/>
+                </a:lnTo>
+                <a:cubicBezTo>
+                  <a:pt x="18902178" y="0"/>
+                  <a:pt x="19044896" y="182396"/>
+                  <a:pt x="19044896" y="407419"/>
+                </a:cubicBezTo>
+                <a:cubicBezTo>
+                  <a:pt x="19044896" y="632443"/>
+                  <a:pt x="18902178" y="814838"/>
+                  <a:pt x="18726162" y="814838"/>
+                </a:cubicBezTo>
+                <a:lnTo>
+                  <a:pt x="18288000" y="814838"/>
+                </a:lnTo>
+                <a:lnTo>
+                  <a:pt x="17382432" y="814838"/>
+                </a:lnTo>
+                <a:lnTo>
+                  <a:pt x="0" y="814838"/>
+                </a:lnTo>
+                <a:close/>
+              </a:path>
+            </a:pathLst>
+          </a:custGeom>
+          <a:ln>
+            <a:noFill/>
+          </a:ln>
+        </p:spPr>
+        <p:style>
+          <a:lnRef idx="3">
+            <a:schemeClr val="lt1"/>
+          </a:lnRef>
+          <a:fillRef idx="1">
+            <a:schemeClr val="accent2"/>
+          </a:fillRef>
+          <a:effectRef idx="1">
+            <a:schemeClr val="accent2"/>
+          </a:effectRef>
+          <a:fontRef idx="minor">
+            <a:schemeClr val="lt1"/>
+          </a:fontRef>
+        </p:style>
+        <p:txBody>
+          <a:bodyPr wrap="square" rtlCol="0" anchor="ctr">
+            <a:noAutofit/>
+          </a:bodyPr>
+          <a:lstStyle/>
+          <a:p>
+            <a:pPr algn="ctr"/>
+            <a:endParaRPr lang="en-US"/>
+          </a:p>
+        </p:txBody>
+      </p:sp>
+      <p:sp>
+        <p:nvSpPr>
+          <p:cNvPr id="5" name="object 20">
+            <a:extLst>
+              <a:ext uri="{FF2B5EF4-FFF2-40B4-BE49-F238E27FC236}">
+                <a16:creationId xmlns:a16="http://schemas.microsoft.com/office/drawing/2014/main" id="{2137AF5B-6990-BFD4-DBD2-9134769906CF}"/>
+              </a:ext>
+            </a:extLst>
+          </p:cNvPr>
+          <p:cNvSpPr txBox="1"/>
+          <p:nvPr/>
+        </p:nvSpPr>
+        <p:spPr>
+          <a:xfrm>
+            <a:off x="757564" y="1179062"/>
+            <a:ext cx="17205792" cy="814838"/>
+          </a:xfrm>
+          <a:prstGeom prst="rect">
+            <a:avLst/>
+          </a:prstGeom>
+        </p:spPr>
+        <p:txBody>
+          <a:bodyPr vert="horz" wrap="square" lIns="0" tIns="12700" rIns="0" bIns="0" rtlCol="0">
+            <a:spAutoFit/>
+          </a:bodyPr>
+          <a:lstStyle/>
+          <a:p>
+            <a:pPr marL="583565" marR="5080" indent="-571500" algn="just">
+              <a:lnSpc>
+                <a:spcPct val="130000"/>
+              </a:lnSpc>
+              <a:buFont typeface="Wingdings" panose="05000000000000000000" pitchFamily="2" charset="2"/>
+              <a:buChar char="§"/>
+            </a:pPr>
+            <a:r>
+              <a:rPr lang="en-US" sz="4400" spc="-5">
+                <a:cs typeface="Source Sans Pro Light"/>
+              </a:rPr>
+              <a:t>Mục tiêu nghiên cứu</a:t>
+            </a:r>
+            <a:endParaRPr lang="vi-VN" sz="4400" spc="-5">
+              <a:cs typeface="Source Sans Pro Light"/>
+            </a:endParaRPr>
           </a:p>
         </p:txBody>
       </p:sp>
@@ -8430,7 +10403,7 @@
         <p:spPr>
           <a:xfrm>
             <a:off x="818356" y="317499"/>
-            <a:ext cx="17145000" cy="705321"/>
+            <a:ext cx="17145000" cy="751488"/>
           </a:xfrm>
           <a:prstGeom prst="rect">
             <a:avLst/>
@@ -8448,15 +10421,15 @@
               </a:spcBef>
             </a:pPr>
             <a:r>
-              <a:rPr lang="en-US" sz="4500" spc="-10">
+              <a:rPr lang="en-US" sz="4800" spc="-10">
                 <a:solidFill>
                   <a:srgbClr val="FFFFFF"/>
                 </a:solidFill>
                 <a:cs typeface="Source Sans Pro Light"/>
               </a:rPr>
-              <a:t>Chương 1. GIỚI THIỆU – Đặc điểm</a:t>
-            </a:r>
-            <a:endParaRPr sz="4500" dirty="0">
+              <a:t>Chương 1. GIỚI THIỆU</a:t>
+            </a:r>
+            <a:endParaRPr sz="4800" dirty="0">
               <a:cs typeface="Source Sans Pro Light"/>
             </a:endParaRPr>
           </a:p>
@@ -8470,7 +10443,7 @@
         </p:nvSpPr>
         <p:spPr>
           <a:xfrm>
-            <a:off x="1046956" y="1689100"/>
+            <a:off x="1016226" y="2222500"/>
             <a:ext cx="16916400" cy="7856766"/>
           </a:xfrm>
           <a:prstGeom prst="rect">
@@ -8641,6 +10614,188 @@
               <a:t>Sử dụng tri thức chuyên môn</a:t>
             </a:r>
             <a:endParaRPr lang="vi-VN" sz="4000" spc="-5"/>
+          </a:p>
+        </p:txBody>
+      </p:sp>
+      <p:sp>
+        <p:nvSpPr>
+          <p:cNvPr id="3" name="Freeform: Shape 2">
+            <a:extLst>
+              <a:ext uri="{FF2B5EF4-FFF2-40B4-BE49-F238E27FC236}">
+                <a16:creationId xmlns:a16="http://schemas.microsoft.com/office/drawing/2014/main" id="{C8EF5272-34C2-AA61-75B4-2EEBBA201DE5}"/>
+              </a:ext>
+            </a:extLst>
+          </p:cNvPr>
+          <p:cNvSpPr/>
+          <p:nvPr/>
+        </p:nvSpPr>
+        <p:spPr>
+          <a:xfrm>
+            <a:off x="-1" y="1124818"/>
+            <a:ext cx="18572957" cy="1000863"/>
+          </a:xfrm>
+          <a:custGeom>
+            <a:avLst/>
+            <a:gdLst>
+              <a:gd name="connsiteX0" fmla="*/ 0 w 19044896"/>
+              <a:gd name="connsiteY0" fmla="*/ 0 h 814838"/>
+              <a:gd name="connsiteX1" fmla="*/ 17382432 w 19044896"/>
+              <a:gd name="connsiteY1" fmla="*/ 0 h 814838"/>
+              <a:gd name="connsiteX2" fmla="*/ 18288000 w 19044896"/>
+              <a:gd name="connsiteY2" fmla="*/ 0 h 814838"/>
+              <a:gd name="connsiteX3" fmla="*/ 18726162 w 19044896"/>
+              <a:gd name="connsiteY3" fmla="*/ 0 h 814838"/>
+              <a:gd name="connsiteX4" fmla="*/ 19044896 w 19044896"/>
+              <a:gd name="connsiteY4" fmla="*/ 407419 h 814838"/>
+              <a:gd name="connsiteX5" fmla="*/ 18726162 w 19044896"/>
+              <a:gd name="connsiteY5" fmla="*/ 814838 h 814838"/>
+              <a:gd name="connsiteX6" fmla="*/ 18288000 w 19044896"/>
+              <a:gd name="connsiteY6" fmla="*/ 814838 h 814838"/>
+              <a:gd name="connsiteX7" fmla="*/ 17382432 w 19044896"/>
+              <a:gd name="connsiteY7" fmla="*/ 814838 h 814838"/>
+              <a:gd name="connsiteX8" fmla="*/ 0 w 19044896"/>
+              <a:gd name="connsiteY8" fmla="*/ 814838 h 814838"/>
+            </a:gdLst>
+            <a:ahLst/>
+            <a:cxnLst>
+              <a:cxn ang="0">
+                <a:pos x="connsiteX0" y="connsiteY0"/>
+              </a:cxn>
+              <a:cxn ang="0">
+                <a:pos x="connsiteX1" y="connsiteY1"/>
+              </a:cxn>
+              <a:cxn ang="0">
+                <a:pos x="connsiteX2" y="connsiteY2"/>
+              </a:cxn>
+              <a:cxn ang="0">
+                <a:pos x="connsiteX3" y="connsiteY3"/>
+              </a:cxn>
+              <a:cxn ang="0">
+                <a:pos x="connsiteX4" y="connsiteY4"/>
+              </a:cxn>
+              <a:cxn ang="0">
+                <a:pos x="connsiteX5" y="connsiteY5"/>
+              </a:cxn>
+              <a:cxn ang="0">
+                <a:pos x="connsiteX6" y="connsiteY6"/>
+              </a:cxn>
+              <a:cxn ang="0">
+                <a:pos x="connsiteX7" y="connsiteY7"/>
+              </a:cxn>
+              <a:cxn ang="0">
+                <a:pos x="connsiteX8" y="connsiteY8"/>
+              </a:cxn>
+            </a:cxnLst>
+            <a:rect l="l" t="t" r="r" b="b"/>
+            <a:pathLst>
+              <a:path w="19044896" h="814838">
+                <a:moveTo>
+                  <a:pt x="0" y="0"/>
+                </a:moveTo>
+                <a:lnTo>
+                  <a:pt x="17382432" y="0"/>
+                </a:lnTo>
+                <a:lnTo>
+                  <a:pt x="18288000" y="0"/>
+                </a:lnTo>
+                <a:lnTo>
+                  <a:pt x="18726162" y="0"/>
+                </a:lnTo>
+                <a:cubicBezTo>
+                  <a:pt x="18902178" y="0"/>
+                  <a:pt x="19044896" y="182396"/>
+                  <a:pt x="19044896" y="407419"/>
+                </a:cubicBezTo>
+                <a:cubicBezTo>
+                  <a:pt x="19044896" y="632443"/>
+                  <a:pt x="18902178" y="814838"/>
+                  <a:pt x="18726162" y="814838"/>
+                </a:cubicBezTo>
+                <a:lnTo>
+                  <a:pt x="18288000" y="814838"/>
+                </a:lnTo>
+                <a:lnTo>
+                  <a:pt x="17382432" y="814838"/>
+                </a:lnTo>
+                <a:lnTo>
+                  <a:pt x="0" y="814838"/>
+                </a:lnTo>
+                <a:close/>
+              </a:path>
+            </a:pathLst>
+          </a:custGeom>
+          <a:ln>
+            <a:noFill/>
+          </a:ln>
+        </p:spPr>
+        <p:style>
+          <a:lnRef idx="3">
+            <a:schemeClr val="lt1"/>
+          </a:lnRef>
+          <a:fillRef idx="1">
+            <a:schemeClr val="accent2"/>
+          </a:fillRef>
+          <a:effectRef idx="1">
+            <a:schemeClr val="accent2"/>
+          </a:effectRef>
+          <a:fontRef idx="minor">
+            <a:schemeClr val="lt1"/>
+          </a:fontRef>
+        </p:style>
+        <p:txBody>
+          <a:bodyPr wrap="square" rtlCol="0" anchor="ctr">
+            <a:noAutofit/>
+          </a:bodyPr>
+          <a:lstStyle/>
+          <a:p>
+            <a:pPr algn="ctr"/>
+            <a:endParaRPr lang="en-US"/>
+          </a:p>
+        </p:txBody>
+      </p:sp>
+      <p:sp>
+        <p:nvSpPr>
+          <p:cNvPr id="5" name="object 20">
+            <a:extLst>
+              <a:ext uri="{FF2B5EF4-FFF2-40B4-BE49-F238E27FC236}">
+                <a16:creationId xmlns:a16="http://schemas.microsoft.com/office/drawing/2014/main" id="{EC9378B2-9867-B492-CFB8-91838A9BCF20}"/>
+              </a:ext>
+            </a:extLst>
+          </p:cNvPr>
+          <p:cNvSpPr txBox="1"/>
+          <p:nvPr/>
+        </p:nvSpPr>
+        <p:spPr>
+          <a:xfrm>
+            <a:off x="757564" y="1179062"/>
+            <a:ext cx="17205792" cy="814838"/>
+          </a:xfrm>
+          <a:prstGeom prst="rect">
+            <a:avLst/>
+          </a:prstGeom>
+        </p:spPr>
+        <p:txBody>
+          <a:bodyPr vert="horz" wrap="square" lIns="0" tIns="12700" rIns="0" bIns="0" rtlCol="0">
+            <a:spAutoFit/>
+          </a:bodyPr>
+          <a:lstStyle/>
+          <a:p>
+            <a:pPr marL="583565" marR="5080" indent="-571500" algn="just">
+              <a:lnSpc>
+                <a:spcPct val="130000"/>
+              </a:lnSpc>
+              <a:buFont typeface="Wingdings" panose="05000000000000000000" pitchFamily="2" charset="2"/>
+              <a:buChar char="§"/>
+            </a:pPr>
+            <a:r>
+              <a:rPr lang="en-US" sz="4400" spc="-5">
+                <a:cs typeface="Source Sans Pro Light"/>
+              </a:rPr>
+              <a:t>Đặc điểm</a:t>
+            </a:r>
+            <a:endParaRPr lang="vi-VN" sz="4400" spc="-5">
+              <a:cs typeface="Source Sans Pro Light"/>
+            </a:endParaRPr>
           </a:p>
         </p:txBody>
       </p:sp>
@@ -8733,7 +10888,7 @@
         <p:spPr>
           <a:xfrm>
             <a:off x="818356" y="317499"/>
-            <a:ext cx="17145000" cy="705321"/>
+            <a:ext cx="17145000" cy="751488"/>
           </a:xfrm>
           <a:prstGeom prst="rect">
             <a:avLst/>
@@ -8751,15 +10906,15 @@
               </a:spcBef>
             </a:pPr>
             <a:r>
-              <a:rPr lang="en-US" sz="4500" spc="-10">
+              <a:rPr lang="en-US" sz="4800" spc="-10">
                 <a:solidFill>
                   <a:srgbClr val="FFFFFF"/>
                 </a:solidFill>
                 <a:cs typeface="Source Sans Pro Light"/>
               </a:rPr>
-              <a:t>Chương 1. GIỚI THIỆU – Đặc điểm (tt)</a:t>
-            </a:r>
-            <a:endParaRPr sz="4500" dirty="0">
+              <a:t>Chương 1. GIỚI THIỆU</a:t>
+            </a:r>
+            <a:endParaRPr sz="4800" dirty="0">
               <a:cs typeface="Source Sans Pro Light"/>
             </a:endParaRPr>
           </a:p>
@@ -8773,7 +10928,7 @@
         </p:nvSpPr>
         <p:spPr>
           <a:xfrm>
-            <a:off x="1046956" y="1689100"/>
+            <a:off x="1046955" y="2537813"/>
             <a:ext cx="16916400" cy="6976525"/>
           </a:xfrm>
           <a:prstGeom prst="rect">
@@ -8899,6 +11054,188 @@
               <a:t>Chưa có khả năng tự thích nghi với môi trường.</a:t>
             </a:r>
             <a:endParaRPr lang="vi-VN" sz="4000" spc="-5"/>
+          </a:p>
+        </p:txBody>
+      </p:sp>
+      <p:sp>
+        <p:nvSpPr>
+          <p:cNvPr id="3" name="Freeform: Shape 2">
+            <a:extLst>
+              <a:ext uri="{FF2B5EF4-FFF2-40B4-BE49-F238E27FC236}">
+                <a16:creationId xmlns:a16="http://schemas.microsoft.com/office/drawing/2014/main" id="{9EBBF937-04A8-4963-F6F6-C01E45393BB1}"/>
+              </a:ext>
+            </a:extLst>
+          </p:cNvPr>
+          <p:cNvSpPr/>
+          <p:nvPr/>
+        </p:nvSpPr>
+        <p:spPr>
+          <a:xfrm>
+            <a:off x="-1" y="1124818"/>
+            <a:ext cx="18572957" cy="1000863"/>
+          </a:xfrm>
+          <a:custGeom>
+            <a:avLst/>
+            <a:gdLst>
+              <a:gd name="connsiteX0" fmla="*/ 0 w 19044896"/>
+              <a:gd name="connsiteY0" fmla="*/ 0 h 814838"/>
+              <a:gd name="connsiteX1" fmla="*/ 17382432 w 19044896"/>
+              <a:gd name="connsiteY1" fmla="*/ 0 h 814838"/>
+              <a:gd name="connsiteX2" fmla="*/ 18288000 w 19044896"/>
+              <a:gd name="connsiteY2" fmla="*/ 0 h 814838"/>
+              <a:gd name="connsiteX3" fmla="*/ 18726162 w 19044896"/>
+              <a:gd name="connsiteY3" fmla="*/ 0 h 814838"/>
+              <a:gd name="connsiteX4" fmla="*/ 19044896 w 19044896"/>
+              <a:gd name="connsiteY4" fmla="*/ 407419 h 814838"/>
+              <a:gd name="connsiteX5" fmla="*/ 18726162 w 19044896"/>
+              <a:gd name="connsiteY5" fmla="*/ 814838 h 814838"/>
+              <a:gd name="connsiteX6" fmla="*/ 18288000 w 19044896"/>
+              <a:gd name="connsiteY6" fmla="*/ 814838 h 814838"/>
+              <a:gd name="connsiteX7" fmla="*/ 17382432 w 19044896"/>
+              <a:gd name="connsiteY7" fmla="*/ 814838 h 814838"/>
+              <a:gd name="connsiteX8" fmla="*/ 0 w 19044896"/>
+              <a:gd name="connsiteY8" fmla="*/ 814838 h 814838"/>
+            </a:gdLst>
+            <a:ahLst/>
+            <a:cxnLst>
+              <a:cxn ang="0">
+                <a:pos x="connsiteX0" y="connsiteY0"/>
+              </a:cxn>
+              <a:cxn ang="0">
+                <a:pos x="connsiteX1" y="connsiteY1"/>
+              </a:cxn>
+              <a:cxn ang="0">
+                <a:pos x="connsiteX2" y="connsiteY2"/>
+              </a:cxn>
+              <a:cxn ang="0">
+                <a:pos x="connsiteX3" y="connsiteY3"/>
+              </a:cxn>
+              <a:cxn ang="0">
+                <a:pos x="connsiteX4" y="connsiteY4"/>
+              </a:cxn>
+              <a:cxn ang="0">
+                <a:pos x="connsiteX5" y="connsiteY5"/>
+              </a:cxn>
+              <a:cxn ang="0">
+                <a:pos x="connsiteX6" y="connsiteY6"/>
+              </a:cxn>
+              <a:cxn ang="0">
+                <a:pos x="connsiteX7" y="connsiteY7"/>
+              </a:cxn>
+              <a:cxn ang="0">
+                <a:pos x="connsiteX8" y="connsiteY8"/>
+              </a:cxn>
+            </a:cxnLst>
+            <a:rect l="l" t="t" r="r" b="b"/>
+            <a:pathLst>
+              <a:path w="19044896" h="814838">
+                <a:moveTo>
+                  <a:pt x="0" y="0"/>
+                </a:moveTo>
+                <a:lnTo>
+                  <a:pt x="17382432" y="0"/>
+                </a:lnTo>
+                <a:lnTo>
+                  <a:pt x="18288000" y="0"/>
+                </a:lnTo>
+                <a:lnTo>
+                  <a:pt x="18726162" y="0"/>
+                </a:lnTo>
+                <a:cubicBezTo>
+                  <a:pt x="18902178" y="0"/>
+                  <a:pt x="19044896" y="182396"/>
+                  <a:pt x="19044896" y="407419"/>
+                </a:cubicBezTo>
+                <a:cubicBezTo>
+                  <a:pt x="19044896" y="632443"/>
+                  <a:pt x="18902178" y="814838"/>
+                  <a:pt x="18726162" y="814838"/>
+                </a:cubicBezTo>
+                <a:lnTo>
+                  <a:pt x="18288000" y="814838"/>
+                </a:lnTo>
+                <a:lnTo>
+                  <a:pt x="17382432" y="814838"/>
+                </a:lnTo>
+                <a:lnTo>
+                  <a:pt x="0" y="814838"/>
+                </a:lnTo>
+                <a:close/>
+              </a:path>
+            </a:pathLst>
+          </a:custGeom>
+          <a:ln>
+            <a:noFill/>
+          </a:ln>
+        </p:spPr>
+        <p:style>
+          <a:lnRef idx="3">
+            <a:schemeClr val="lt1"/>
+          </a:lnRef>
+          <a:fillRef idx="1">
+            <a:schemeClr val="accent2"/>
+          </a:fillRef>
+          <a:effectRef idx="1">
+            <a:schemeClr val="accent2"/>
+          </a:effectRef>
+          <a:fontRef idx="minor">
+            <a:schemeClr val="lt1"/>
+          </a:fontRef>
+        </p:style>
+        <p:txBody>
+          <a:bodyPr wrap="square" rtlCol="0" anchor="ctr">
+            <a:noAutofit/>
+          </a:bodyPr>
+          <a:lstStyle/>
+          <a:p>
+            <a:pPr algn="ctr"/>
+            <a:endParaRPr lang="en-US"/>
+          </a:p>
+        </p:txBody>
+      </p:sp>
+      <p:sp>
+        <p:nvSpPr>
+          <p:cNvPr id="5" name="object 20">
+            <a:extLst>
+              <a:ext uri="{FF2B5EF4-FFF2-40B4-BE49-F238E27FC236}">
+                <a16:creationId xmlns:a16="http://schemas.microsoft.com/office/drawing/2014/main" id="{A6A2E245-8E30-E7FE-897C-0CF8C05534A0}"/>
+              </a:ext>
+            </a:extLst>
+          </p:cNvPr>
+          <p:cNvSpPr txBox="1"/>
+          <p:nvPr/>
+        </p:nvSpPr>
+        <p:spPr>
+          <a:xfrm>
+            <a:off x="757564" y="1179062"/>
+            <a:ext cx="17205792" cy="814838"/>
+          </a:xfrm>
+          <a:prstGeom prst="rect">
+            <a:avLst/>
+          </a:prstGeom>
+        </p:spPr>
+        <p:txBody>
+          <a:bodyPr vert="horz" wrap="square" lIns="0" tIns="12700" rIns="0" bIns="0" rtlCol="0">
+            <a:spAutoFit/>
+          </a:bodyPr>
+          <a:lstStyle/>
+          <a:p>
+            <a:pPr marL="583565" marR="5080" indent="-571500" algn="just">
+              <a:lnSpc>
+                <a:spcPct val="130000"/>
+              </a:lnSpc>
+              <a:buFont typeface="Wingdings" panose="05000000000000000000" pitchFamily="2" charset="2"/>
+              <a:buChar char="§"/>
+            </a:pPr>
+            <a:r>
+              <a:rPr lang="en-US" sz="4400" spc="-5">
+                <a:cs typeface="Source Sans Pro Light"/>
+              </a:rPr>
+              <a:t>Đặc điểm</a:t>
+            </a:r>
+            <a:endParaRPr lang="vi-VN" sz="4400" spc="-5">
+              <a:cs typeface="Source Sans Pro Light"/>
+            </a:endParaRPr>
           </a:p>
         </p:txBody>
       </p:sp>
@@ -8991,7 +11328,7 @@
         <p:spPr>
           <a:xfrm>
             <a:off x="818356" y="317499"/>
-            <a:ext cx="17145000" cy="705321"/>
+            <a:ext cx="17145000" cy="751488"/>
           </a:xfrm>
           <a:prstGeom prst="rect">
             <a:avLst/>
@@ -9009,15 +11346,15 @@
               </a:spcBef>
             </a:pPr>
             <a:r>
-              <a:rPr lang="en-US" sz="4500" spc="-10">
+              <a:rPr lang="en-US" sz="4800" spc="-10">
                 <a:solidFill>
                   <a:srgbClr val="FFFFFF"/>
                 </a:solidFill>
                 <a:cs typeface="Source Sans Pro Light"/>
               </a:rPr>
-              <a:t>Chương 1. GIỚI THIỆU – Lược sử</a:t>
-            </a:r>
-            <a:endParaRPr sz="4500" dirty="0">
+              <a:t>Chương 1. GIỚI THIỆU</a:t>
+            </a:r>
+            <a:endParaRPr sz="4800" dirty="0">
               <a:cs typeface="Source Sans Pro Light"/>
             </a:endParaRPr>
           </a:p>
@@ -9031,7 +11368,7 @@
         </p:nvSpPr>
         <p:spPr>
           <a:xfrm>
-            <a:off x="1046956" y="1689100"/>
+            <a:off x="1046956" y="2984500"/>
             <a:ext cx="16916400" cy="6852517"/>
           </a:xfrm>
           <a:prstGeom prst="rect">
@@ -9250,6 +11587,188 @@
               <a:solidFill>
                 <a:srgbClr val="0070C0"/>
               </a:solidFill>
+            </a:endParaRPr>
+          </a:p>
+        </p:txBody>
+      </p:sp>
+      <p:sp>
+        <p:nvSpPr>
+          <p:cNvPr id="3" name="Freeform: Shape 2">
+            <a:extLst>
+              <a:ext uri="{FF2B5EF4-FFF2-40B4-BE49-F238E27FC236}">
+                <a16:creationId xmlns:a16="http://schemas.microsoft.com/office/drawing/2014/main" id="{2ABE4A3D-DFF8-1640-4502-01793D11AEC7}"/>
+              </a:ext>
+            </a:extLst>
+          </p:cNvPr>
+          <p:cNvSpPr/>
+          <p:nvPr/>
+        </p:nvSpPr>
+        <p:spPr>
+          <a:xfrm>
+            <a:off x="-1" y="1124818"/>
+            <a:ext cx="18572957" cy="1000863"/>
+          </a:xfrm>
+          <a:custGeom>
+            <a:avLst/>
+            <a:gdLst>
+              <a:gd name="connsiteX0" fmla="*/ 0 w 19044896"/>
+              <a:gd name="connsiteY0" fmla="*/ 0 h 814838"/>
+              <a:gd name="connsiteX1" fmla="*/ 17382432 w 19044896"/>
+              <a:gd name="connsiteY1" fmla="*/ 0 h 814838"/>
+              <a:gd name="connsiteX2" fmla="*/ 18288000 w 19044896"/>
+              <a:gd name="connsiteY2" fmla="*/ 0 h 814838"/>
+              <a:gd name="connsiteX3" fmla="*/ 18726162 w 19044896"/>
+              <a:gd name="connsiteY3" fmla="*/ 0 h 814838"/>
+              <a:gd name="connsiteX4" fmla="*/ 19044896 w 19044896"/>
+              <a:gd name="connsiteY4" fmla="*/ 407419 h 814838"/>
+              <a:gd name="connsiteX5" fmla="*/ 18726162 w 19044896"/>
+              <a:gd name="connsiteY5" fmla="*/ 814838 h 814838"/>
+              <a:gd name="connsiteX6" fmla="*/ 18288000 w 19044896"/>
+              <a:gd name="connsiteY6" fmla="*/ 814838 h 814838"/>
+              <a:gd name="connsiteX7" fmla="*/ 17382432 w 19044896"/>
+              <a:gd name="connsiteY7" fmla="*/ 814838 h 814838"/>
+              <a:gd name="connsiteX8" fmla="*/ 0 w 19044896"/>
+              <a:gd name="connsiteY8" fmla="*/ 814838 h 814838"/>
+            </a:gdLst>
+            <a:ahLst/>
+            <a:cxnLst>
+              <a:cxn ang="0">
+                <a:pos x="connsiteX0" y="connsiteY0"/>
+              </a:cxn>
+              <a:cxn ang="0">
+                <a:pos x="connsiteX1" y="connsiteY1"/>
+              </a:cxn>
+              <a:cxn ang="0">
+                <a:pos x="connsiteX2" y="connsiteY2"/>
+              </a:cxn>
+              <a:cxn ang="0">
+                <a:pos x="connsiteX3" y="connsiteY3"/>
+              </a:cxn>
+              <a:cxn ang="0">
+                <a:pos x="connsiteX4" y="connsiteY4"/>
+              </a:cxn>
+              <a:cxn ang="0">
+                <a:pos x="connsiteX5" y="connsiteY5"/>
+              </a:cxn>
+              <a:cxn ang="0">
+                <a:pos x="connsiteX6" y="connsiteY6"/>
+              </a:cxn>
+              <a:cxn ang="0">
+                <a:pos x="connsiteX7" y="connsiteY7"/>
+              </a:cxn>
+              <a:cxn ang="0">
+                <a:pos x="connsiteX8" y="connsiteY8"/>
+              </a:cxn>
+            </a:cxnLst>
+            <a:rect l="l" t="t" r="r" b="b"/>
+            <a:pathLst>
+              <a:path w="19044896" h="814838">
+                <a:moveTo>
+                  <a:pt x="0" y="0"/>
+                </a:moveTo>
+                <a:lnTo>
+                  <a:pt x="17382432" y="0"/>
+                </a:lnTo>
+                <a:lnTo>
+                  <a:pt x="18288000" y="0"/>
+                </a:lnTo>
+                <a:lnTo>
+                  <a:pt x="18726162" y="0"/>
+                </a:lnTo>
+                <a:cubicBezTo>
+                  <a:pt x="18902178" y="0"/>
+                  <a:pt x="19044896" y="182396"/>
+                  <a:pt x="19044896" y="407419"/>
+                </a:cubicBezTo>
+                <a:cubicBezTo>
+                  <a:pt x="19044896" y="632443"/>
+                  <a:pt x="18902178" y="814838"/>
+                  <a:pt x="18726162" y="814838"/>
+                </a:cubicBezTo>
+                <a:lnTo>
+                  <a:pt x="18288000" y="814838"/>
+                </a:lnTo>
+                <a:lnTo>
+                  <a:pt x="17382432" y="814838"/>
+                </a:lnTo>
+                <a:lnTo>
+                  <a:pt x="0" y="814838"/>
+                </a:lnTo>
+                <a:close/>
+              </a:path>
+            </a:pathLst>
+          </a:custGeom>
+          <a:ln>
+            <a:noFill/>
+          </a:ln>
+        </p:spPr>
+        <p:style>
+          <a:lnRef idx="3">
+            <a:schemeClr val="lt1"/>
+          </a:lnRef>
+          <a:fillRef idx="1">
+            <a:schemeClr val="accent2"/>
+          </a:fillRef>
+          <a:effectRef idx="1">
+            <a:schemeClr val="accent2"/>
+          </a:effectRef>
+          <a:fontRef idx="minor">
+            <a:schemeClr val="lt1"/>
+          </a:fontRef>
+        </p:style>
+        <p:txBody>
+          <a:bodyPr wrap="square" rtlCol="0" anchor="ctr">
+            <a:noAutofit/>
+          </a:bodyPr>
+          <a:lstStyle/>
+          <a:p>
+            <a:pPr algn="ctr"/>
+            <a:endParaRPr lang="en-US"/>
+          </a:p>
+        </p:txBody>
+      </p:sp>
+      <p:sp>
+        <p:nvSpPr>
+          <p:cNvPr id="5" name="object 20">
+            <a:extLst>
+              <a:ext uri="{FF2B5EF4-FFF2-40B4-BE49-F238E27FC236}">
+                <a16:creationId xmlns:a16="http://schemas.microsoft.com/office/drawing/2014/main" id="{2EC91AAF-614A-DD22-D53F-A8A7F9E303ED}"/>
+              </a:ext>
+            </a:extLst>
+          </p:cNvPr>
+          <p:cNvSpPr txBox="1"/>
+          <p:nvPr/>
+        </p:nvSpPr>
+        <p:spPr>
+          <a:xfrm>
+            <a:off x="757564" y="1179062"/>
+            <a:ext cx="17205792" cy="814838"/>
+          </a:xfrm>
+          <a:prstGeom prst="rect">
+            <a:avLst/>
+          </a:prstGeom>
+        </p:spPr>
+        <p:txBody>
+          <a:bodyPr vert="horz" wrap="square" lIns="0" tIns="12700" rIns="0" bIns="0" rtlCol="0">
+            <a:spAutoFit/>
+          </a:bodyPr>
+          <a:lstStyle/>
+          <a:p>
+            <a:pPr marL="583565" marR="5080" indent="-571500" algn="just">
+              <a:lnSpc>
+                <a:spcPct val="130000"/>
+              </a:lnSpc>
+              <a:buFont typeface="Wingdings" panose="05000000000000000000" pitchFamily="2" charset="2"/>
+              <a:buChar char="§"/>
+            </a:pPr>
+            <a:r>
+              <a:rPr lang="en-US" sz="4400" spc="-5">
+                <a:cs typeface="Source Sans Pro Light"/>
+              </a:rPr>
+              <a:t>Lịch sử phát triển</a:t>
+            </a:r>
+            <a:endParaRPr lang="vi-VN" sz="4400" spc="-5">
+              <a:cs typeface="Source Sans Pro Light"/>
             </a:endParaRPr>
           </a:p>
         </p:txBody>
